--- a/report.pptx
+++ b/report.pptx
@@ -5,7 +5,24 @@
     <p:sldMasterId id="2147483648" r:id="rId1"/>
   </p:sldMasterIdLst>
   <p:sldIdLst>
-    <p:sldId id="256" r:id="rId2"/>
+    <p:sldId id="273" r:id="rId2"/>
+    <p:sldId id="256" r:id="rId3"/>
+    <p:sldId id="257" r:id="rId4"/>
+    <p:sldId id="259" r:id="rId5"/>
+    <p:sldId id="260" r:id="rId6"/>
+    <p:sldId id="263" r:id="rId7"/>
+    <p:sldId id="261" r:id="rId8"/>
+    <p:sldId id="262" r:id="rId9"/>
+    <p:sldId id="264" r:id="rId10"/>
+    <p:sldId id="266" r:id="rId11"/>
+    <p:sldId id="267" r:id="rId12"/>
+    <p:sldId id="265" r:id="rId13"/>
+    <p:sldId id="268" r:id="rId14"/>
+    <p:sldId id="269" r:id="rId15"/>
+    <p:sldId id="270" r:id="rId16"/>
+    <p:sldId id="271" r:id="rId17"/>
+    <p:sldId id="272" r:id="rId18"/>
+    <p:sldId id="258" r:id="rId19"/>
   </p:sldIdLst>
   <p:sldSz cx="12192000" cy="6858000"/>
   <p:notesSz cx="6858000" cy="9144000"/>
@@ -3321,12 +3338,303 @@
           <a:chExt cx="0" cy="0"/>
         </a:xfrm>
       </p:grpSpPr>
+      <p:sp>
+        <p:nvSpPr>
+          <p:cNvPr id="2" name="TextBox 1">
+            <a:extLst>
+              <a:ext uri="{FF2B5EF4-FFF2-40B4-BE49-F238E27FC236}">
+                <a16:creationId xmlns:a16="http://schemas.microsoft.com/office/drawing/2014/main" id="{62CD5DCA-4BDE-4B57-A873-DAB2C2CF7315}"/>
+              </a:ext>
+            </a:extLst>
+          </p:cNvPr>
+          <p:cNvSpPr txBox="1"/>
+          <p:nvPr/>
+        </p:nvSpPr>
+        <p:spPr>
+          <a:xfrm>
+            <a:off x="1046508" y="1259840"/>
+            <a:ext cx="9834852" cy="1077218"/>
+          </a:xfrm>
+          <a:prstGeom prst="rect">
+            <a:avLst/>
+          </a:prstGeom>
+          <a:noFill/>
+        </p:spPr>
+        <p:txBody>
+          <a:bodyPr wrap="square" rtlCol="0">
+            <a:spAutoFit/>
+          </a:bodyPr>
+          <a:lstStyle/>
+          <a:p>
+            <a:pPr algn="ctr"/>
+            <a:r>
+              <a:rPr lang="en-US" sz="3200" dirty="0"/>
+              <a:t>Climatological Change of Temperature mean, extremes, and autocorrelation by region</a:t>
+            </a:r>
+          </a:p>
+        </p:txBody>
+      </p:sp>
+    </p:spTree>
+    <p:extLst>
+      <p:ext uri="{BB962C8B-B14F-4D97-AF65-F5344CB8AC3E}">
+        <p14:creationId xmlns:p14="http://schemas.microsoft.com/office/powerpoint/2010/main" val="1002773430"/>
+      </p:ext>
+    </p:extLst>
+  </p:cSld>
+  <p:clrMapOvr>
+    <a:masterClrMapping/>
+  </p:clrMapOvr>
+</p:sld>
+</file>
+
+<file path=ppt/slides/slide10.xml><?xml version="1.0" encoding="utf-8"?>
+<p:sld xmlns:a="http://schemas.openxmlformats.org/drawingml/2006/main" xmlns:r="http://schemas.openxmlformats.org/officeDocument/2006/relationships" xmlns:p="http://schemas.openxmlformats.org/presentationml/2006/main">
+  <p:cSld>
+    <p:spTree>
+      <p:nvGrpSpPr>
+        <p:cNvPr id="1" name=""/>
+        <p:cNvGrpSpPr/>
+        <p:nvPr/>
+      </p:nvGrpSpPr>
+      <p:grpSpPr>
+        <a:xfrm>
+          <a:off x="0" y="0"/>
+          <a:ext cx="0" cy="0"/>
+          <a:chOff x="0" y="0"/>
+          <a:chExt cx="0" cy="0"/>
+        </a:xfrm>
+      </p:grpSpPr>
+      <p:sp>
+        <p:nvSpPr>
+          <p:cNvPr id="10" name="TextBox 9">
+            <a:extLst>
+              <a:ext uri="{FF2B5EF4-FFF2-40B4-BE49-F238E27FC236}">
+                <a16:creationId xmlns:a16="http://schemas.microsoft.com/office/drawing/2014/main" id="{385F1307-9B11-4050-B9D9-0DBA687A842E}"/>
+              </a:ext>
+            </a:extLst>
+          </p:cNvPr>
+          <p:cNvSpPr txBox="1"/>
+          <p:nvPr/>
+        </p:nvSpPr>
+        <p:spPr>
+          <a:xfrm>
+            <a:off x="264160" y="416560"/>
+            <a:ext cx="2801729" cy="369332"/>
+          </a:xfrm>
+          <a:prstGeom prst="rect">
+            <a:avLst/>
+          </a:prstGeom>
+          <a:noFill/>
+        </p:spPr>
+        <p:txBody>
+          <a:bodyPr wrap="none" rtlCol="0">
+            <a:spAutoFit/>
+          </a:bodyPr>
+          <a:lstStyle/>
+          <a:p>
+            <a:r>
+              <a:rPr lang="en-US" dirty="0"/>
+              <a:t>Trend of extremely hot days</a:t>
+            </a:r>
+          </a:p>
+        </p:txBody>
+      </p:sp>
+      <p:pic>
+        <p:nvPicPr>
+          <p:cNvPr id="6" name="Picture 5">
+            <a:extLst>
+              <a:ext uri="{FF2B5EF4-FFF2-40B4-BE49-F238E27FC236}">
+                <a16:creationId xmlns:a16="http://schemas.microsoft.com/office/drawing/2014/main" id="{601F2362-250E-4648-9CD1-CF1AA4ADA7DA}"/>
+              </a:ext>
+            </a:extLst>
+          </p:cNvPr>
+          <p:cNvPicPr>
+            <a:picLocks noChangeAspect="1"/>
+          </p:cNvPicPr>
+          <p:nvPr/>
+        </p:nvPicPr>
+        <p:blipFill>
+          <a:blip r:embed="rId2"/>
+          <a:stretch>
+            <a:fillRect/>
+          </a:stretch>
+        </p:blipFill>
+        <p:spPr>
+          <a:xfrm>
+            <a:off x="1032148" y="877515"/>
+            <a:ext cx="10127703" cy="5783587"/>
+          </a:xfrm>
+          <a:prstGeom prst="rect">
+            <a:avLst/>
+          </a:prstGeom>
+        </p:spPr>
+      </p:pic>
+    </p:spTree>
+    <p:extLst>
+      <p:ext uri="{BB962C8B-B14F-4D97-AF65-F5344CB8AC3E}">
+        <p14:creationId xmlns:p14="http://schemas.microsoft.com/office/powerpoint/2010/main" val="3814385007"/>
+      </p:ext>
+    </p:extLst>
+  </p:cSld>
+  <p:clrMapOvr>
+    <a:masterClrMapping/>
+  </p:clrMapOvr>
+</p:sld>
+</file>
+
+<file path=ppt/slides/slide11.xml><?xml version="1.0" encoding="utf-8"?>
+<p:sld xmlns:a="http://schemas.openxmlformats.org/drawingml/2006/main" xmlns:r="http://schemas.openxmlformats.org/officeDocument/2006/relationships" xmlns:p="http://schemas.openxmlformats.org/presentationml/2006/main">
+  <p:cSld>
+    <p:spTree>
+      <p:nvGrpSpPr>
+        <p:cNvPr id="1" name=""/>
+        <p:cNvGrpSpPr/>
+        <p:nvPr/>
+      </p:nvGrpSpPr>
+      <p:grpSpPr>
+        <a:xfrm>
+          <a:off x="0" y="0"/>
+          <a:ext cx="0" cy="0"/>
+          <a:chOff x="0" y="0"/>
+          <a:chExt cx="0" cy="0"/>
+        </a:xfrm>
+      </p:grpSpPr>
+      <p:sp>
+        <p:nvSpPr>
+          <p:cNvPr id="10" name="TextBox 9">
+            <a:extLst>
+              <a:ext uri="{FF2B5EF4-FFF2-40B4-BE49-F238E27FC236}">
+                <a16:creationId xmlns:a16="http://schemas.microsoft.com/office/drawing/2014/main" id="{385F1307-9B11-4050-B9D9-0DBA687A842E}"/>
+              </a:ext>
+            </a:extLst>
+          </p:cNvPr>
+          <p:cNvSpPr txBox="1"/>
+          <p:nvPr/>
+        </p:nvSpPr>
+        <p:spPr>
+          <a:xfrm>
+            <a:off x="264160" y="416560"/>
+            <a:ext cx="3602268" cy="369332"/>
+          </a:xfrm>
+          <a:prstGeom prst="rect">
+            <a:avLst/>
+          </a:prstGeom>
+          <a:noFill/>
+        </p:spPr>
+        <p:txBody>
+          <a:bodyPr wrap="none" rtlCol="0">
+            <a:spAutoFit/>
+          </a:bodyPr>
+          <a:lstStyle/>
+          <a:p>
+            <a:r>
+              <a:rPr lang="en-US" dirty="0"/>
+              <a:t>Trend of highest winter temperature</a:t>
+            </a:r>
+          </a:p>
+        </p:txBody>
+      </p:sp>
+      <p:pic>
+        <p:nvPicPr>
+          <p:cNvPr id="4" name="Picture 3">
+            <a:extLst>
+              <a:ext uri="{FF2B5EF4-FFF2-40B4-BE49-F238E27FC236}">
+                <a16:creationId xmlns:a16="http://schemas.microsoft.com/office/drawing/2014/main" id="{68A4031C-56AE-4FA9-AA20-7040D8BEEF93}"/>
+              </a:ext>
+            </a:extLst>
+          </p:cNvPr>
+          <p:cNvPicPr>
+            <a:picLocks noChangeAspect="1"/>
+          </p:cNvPicPr>
+          <p:nvPr/>
+        </p:nvPicPr>
+        <p:blipFill>
+          <a:blip r:embed="rId2"/>
+          <a:stretch>
+            <a:fillRect/>
+          </a:stretch>
+        </p:blipFill>
+        <p:spPr>
+          <a:xfrm>
+            <a:off x="1060843" y="910306"/>
+            <a:ext cx="9769717" cy="5399054"/>
+          </a:xfrm>
+          <a:prstGeom prst="rect">
+            <a:avLst/>
+          </a:prstGeom>
+        </p:spPr>
+      </p:pic>
+    </p:spTree>
+    <p:extLst>
+      <p:ext uri="{BB962C8B-B14F-4D97-AF65-F5344CB8AC3E}">
+        <p14:creationId xmlns:p14="http://schemas.microsoft.com/office/powerpoint/2010/main" val="2003497710"/>
+      </p:ext>
+    </p:extLst>
+  </p:cSld>
+  <p:clrMapOvr>
+    <a:masterClrMapping/>
+  </p:clrMapOvr>
+</p:sld>
+</file>
+
+<file path=ppt/slides/slide12.xml><?xml version="1.0" encoding="utf-8"?>
+<p:sld xmlns:a="http://schemas.openxmlformats.org/drawingml/2006/main" xmlns:r="http://schemas.openxmlformats.org/officeDocument/2006/relationships" xmlns:p="http://schemas.openxmlformats.org/presentationml/2006/main">
+  <p:cSld>
+    <p:spTree>
+      <p:nvGrpSpPr>
+        <p:cNvPr id="1" name=""/>
+        <p:cNvGrpSpPr/>
+        <p:nvPr/>
+      </p:nvGrpSpPr>
+      <p:grpSpPr>
+        <a:xfrm>
+          <a:off x="0" y="0"/>
+          <a:ext cx="0" cy="0"/>
+          <a:chOff x="0" y="0"/>
+          <a:chExt cx="0" cy="0"/>
+        </a:xfrm>
+      </p:grpSpPr>
+      <p:sp>
+        <p:nvSpPr>
+          <p:cNvPr id="10" name="TextBox 9">
+            <a:extLst>
+              <a:ext uri="{FF2B5EF4-FFF2-40B4-BE49-F238E27FC236}">
+                <a16:creationId xmlns:a16="http://schemas.microsoft.com/office/drawing/2014/main" id="{385F1307-9B11-4050-B9D9-0DBA687A842E}"/>
+              </a:ext>
+            </a:extLst>
+          </p:cNvPr>
+          <p:cNvSpPr txBox="1"/>
+          <p:nvPr/>
+        </p:nvSpPr>
+        <p:spPr>
+          <a:xfrm>
+            <a:off x="264160" y="416560"/>
+            <a:ext cx="2736070" cy="369332"/>
+          </a:xfrm>
+          <a:prstGeom prst="rect">
+            <a:avLst/>
+          </a:prstGeom>
+          <a:noFill/>
+        </p:spPr>
+        <p:txBody>
+          <a:bodyPr wrap="none" rtlCol="0">
+            <a:spAutoFit/>
+          </a:bodyPr>
+          <a:lstStyle/>
+          <a:p>
+            <a:r>
+              <a:rPr lang="en-US" dirty="0"/>
+              <a:t>Highest Temperature Trend</a:t>
+            </a:r>
+          </a:p>
+        </p:txBody>
+      </p:sp>
       <p:graphicFrame>
         <p:nvGraphicFramePr>
-          <p:cNvPr id="6" name="Table 6">
-            <a:extLst>
-              <a:ext uri="{FF2B5EF4-FFF2-40B4-BE49-F238E27FC236}">
-                <a16:creationId xmlns:a16="http://schemas.microsoft.com/office/drawing/2014/main" id="{C5EFF62A-1015-4268-863E-5D12928D2BCB}"/>
+          <p:cNvPr id="3" name="Table 3">
+            <a:extLst>
+              <a:ext uri="{FF2B5EF4-FFF2-40B4-BE49-F238E27FC236}">
+                <a16:creationId xmlns:a16="http://schemas.microsoft.com/office/drawing/2014/main" id="{0C4E1F07-D8B0-4A32-96E2-3B9E95A5CC4B}"/>
               </a:ext>
             </a:extLst>
           </p:cNvPr>
@@ -3336,14 +3644,2826 @@
           <p:nvPr>
             <p:extLst>
               <p:ext uri="{D42A27DB-BD31-4B8C-83A1-F6EECF244321}">
-                <p14:modId xmlns:p14="http://schemas.microsoft.com/office/powerpoint/2010/main" val="4287366147"/>
+                <p14:modId xmlns:p14="http://schemas.microsoft.com/office/powerpoint/2010/main" val="1672036390"/>
+              </p:ext>
+            </p:extLst>
+          </p:nvPr>
+        </p:nvGraphicFramePr>
+        <p:xfrm>
+          <a:off x="254000" y="973666"/>
+          <a:ext cx="11409680" cy="4785360"/>
+        </p:xfrm>
+        <a:graphic>
+          <a:graphicData uri="http://schemas.openxmlformats.org/drawingml/2006/table">
+            <a:tbl>
+              <a:tblPr firstRow="1" bandRow="1">
+                <a:tableStyleId>{5C22544A-7EE6-4342-B048-85BDC9FD1C3A}</a:tableStyleId>
+              </a:tblPr>
+              <a:tblGrid>
+                <a:gridCol w="1910080">
+                  <a:extLst>
+                    <a:ext uri="{9D8B030D-6E8A-4147-A177-3AD203B41FA5}">
+                      <a16:colId xmlns:a16="http://schemas.microsoft.com/office/drawing/2014/main" val="1703165336"/>
+                    </a:ext>
+                  </a:extLst>
+                </a:gridCol>
+                <a:gridCol w="2306320">
+                  <a:extLst>
+                    <a:ext uri="{9D8B030D-6E8A-4147-A177-3AD203B41FA5}">
+                      <a16:colId xmlns:a16="http://schemas.microsoft.com/office/drawing/2014/main" val="1457223567"/>
+                    </a:ext>
+                  </a:extLst>
+                </a:gridCol>
+                <a:gridCol w="1493520">
+                  <a:extLst>
+                    <a:ext uri="{9D8B030D-6E8A-4147-A177-3AD203B41FA5}">
+                      <a16:colId xmlns:a16="http://schemas.microsoft.com/office/drawing/2014/main" val="1527871884"/>
+                    </a:ext>
+                  </a:extLst>
+                </a:gridCol>
+                <a:gridCol w="1899920">
+                  <a:extLst>
+                    <a:ext uri="{9D8B030D-6E8A-4147-A177-3AD203B41FA5}">
+                      <a16:colId xmlns:a16="http://schemas.microsoft.com/office/drawing/2014/main" val="1206382234"/>
+                    </a:ext>
+                  </a:extLst>
+                </a:gridCol>
+                <a:gridCol w="1899920">
+                  <a:extLst>
+                    <a:ext uri="{9D8B030D-6E8A-4147-A177-3AD203B41FA5}">
+                      <a16:colId xmlns:a16="http://schemas.microsoft.com/office/drawing/2014/main" val="3420448209"/>
+                    </a:ext>
+                  </a:extLst>
+                </a:gridCol>
+                <a:gridCol w="1899920">
+                  <a:extLst>
+                    <a:ext uri="{9D8B030D-6E8A-4147-A177-3AD203B41FA5}">
+                      <a16:colId xmlns:a16="http://schemas.microsoft.com/office/drawing/2014/main" val="2988213331"/>
+                    </a:ext>
+                  </a:extLst>
+                </a:gridCol>
+              </a:tblGrid>
+              <a:tr h="370840">
+                <a:tc>
+                  <a:txBody>
+                    <a:bodyPr/>
+                    <a:lstStyle/>
+                    <a:p>
+                      <a:pPr algn="ctr"/>
+                      <a:endParaRPr lang="en-US" dirty="0"/>
+                    </a:p>
+                  </a:txBody>
+                  <a:tcPr anchor="ctr"/>
+                </a:tc>
+                <a:tc>
+                  <a:txBody>
+                    <a:bodyPr/>
+                    <a:lstStyle/>
+                    <a:p>
+                      <a:pPr algn="ctr"/>
+                      <a:endParaRPr lang="en-US" dirty="0"/>
+                    </a:p>
+                  </a:txBody>
+                  <a:tcPr anchor="ctr"/>
+                </a:tc>
+                <a:tc>
+                  <a:txBody>
+                    <a:bodyPr/>
+                    <a:lstStyle/>
+                    <a:p>
+                      <a:pPr algn="ctr"/>
+                      <a:r>
+                        <a:rPr lang="en-US" dirty="0"/>
+                        <a:t>North America</a:t>
+                      </a:r>
+                    </a:p>
+                  </a:txBody>
+                  <a:tcPr anchor="ctr"/>
+                </a:tc>
+                <a:tc>
+                  <a:txBody>
+                    <a:bodyPr/>
+                    <a:lstStyle/>
+                    <a:p>
+                      <a:pPr algn="ctr"/>
+                      <a:r>
+                        <a:rPr lang="en-US" dirty="0"/>
+                        <a:t>Europe</a:t>
+                      </a:r>
+                    </a:p>
+                  </a:txBody>
+                  <a:tcPr anchor="ctr"/>
+                </a:tc>
+                <a:tc>
+                  <a:txBody>
+                    <a:bodyPr/>
+                    <a:lstStyle/>
+                    <a:p>
+                      <a:pPr algn="ctr"/>
+                      <a:r>
+                        <a:rPr lang="en-US" dirty="0"/>
+                        <a:t>Asia</a:t>
+                      </a:r>
+                    </a:p>
+                  </a:txBody>
+                  <a:tcPr anchor="ctr"/>
+                </a:tc>
+                <a:tc>
+                  <a:txBody>
+                    <a:bodyPr/>
+                    <a:lstStyle/>
+                    <a:p>
+                      <a:pPr algn="ctr"/>
+                      <a:r>
+                        <a:rPr lang="en-US" dirty="0"/>
+                        <a:t>Australia</a:t>
+                      </a:r>
+                    </a:p>
+                  </a:txBody>
+                  <a:tcPr anchor="ctr"/>
+                </a:tc>
+                <a:extLst>
+                  <a:ext uri="{0D108BD9-81ED-4DB2-BD59-A6C34878D82A}">
+                    <a16:rowId xmlns:a16="http://schemas.microsoft.com/office/drawing/2014/main" val="2465996827"/>
+                  </a:ext>
+                </a:extLst>
+              </a:tr>
+              <a:tr h="370840">
+                <a:tc rowSpan="3">
+                  <a:txBody>
+                    <a:bodyPr/>
+                    <a:lstStyle/>
+                    <a:p>
+                      <a:pPr algn="ctr"/>
+                      <a:r>
+                        <a:rPr lang="en-US" dirty="0"/>
+                        <a:t>High Temperature Value</a:t>
+                      </a:r>
+                    </a:p>
+                  </a:txBody>
+                  <a:tcPr anchor="ctr"/>
+                </a:tc>
+                <a:tc>
+                  <a:txBody>
+                    <a:bodyPr/>
+                    <a:lstStyle/>
+                    <a:p>
+                      <a:pPr algn="ctr"/>
+                      <a:r>
+                        <a:rPr lang="en-US" dirty="0"/>
+                        <a:t>change per century</a:t>
+                      </a:r>
+                    </a:p>
+                  </a:txBody>
+                  <a:tcPr anchor="ctr"/>
+                </a:tc>
+                <a:tc>
+                  <a:txBody>
+                    <a:bodyPr/>
+                    <a:lstStyle/>
+                    <a:p>
+                      <a:pPr algn="ctr"/>
+                      <a:r>
+                        <a:rPr lang="en-US" dirty="0"/>
+                        <a:t>5.1</a:t>
+                      </a:r>
+                    </a:p>
+                  </a:txBody>
+                  <a:tcPr anchor="ctr"/>
+                </a:tc>
+                <a:tc>
+                  <a:txBody>
+                    <a:bodyPr/>
+                    <a:lstStyle/>
+                    <a:p>
+                      <a:pPr algn="ctr"/>
+                      <a:r>
+                        <a:rPr lang="en-US" dirty="0"/>
+                        <a:t>10.8</a:t>
+                      </a:r>
+                    </a:p>
+                  </a:txBody>
+                  <a:tcPr anchor="ctr"/>
+                </a:tc>
+                <a:tc>
+                  <a:txBody>
+                    <a:bodyPr/>
+                    <a:lstStyle/>
+                    <a:p>
+                      <a:pPr algn="ctr"/>
+                      <a:r>
+                        <a:rPr lang="en-US" dirty="0"/>
+                        <a:t>1.54</a:t>
+                      </a:r>
+                    </a:p>
+                  </a:txBody>
+                  <a:tcPr anchor="ctr"/>
+                </a:tc>
+                <a:tc>
+                  <a:txBody>
+                    <a:bodyPr/>
+                    <a:lstStyle/>
+                    <a:p>
+                      <a:pPr algn="ctr"/>
+                      <a:r>
+                        <a:rPr lang="en-US" dirty="0"/>
+                        <a:t>8.0</a:t>
+                      </a:r>
+                    </a:p>
+                  </a:txBody>
+                  <a:tcPr anchor="ctr"/>
+                </a:tc>
+                <a:extLst>
+                  <a:ext uri="{0D108BD9-81ED-4DB2-BD59-A6C34878D82A}">
+                    <a16:rowId xmlns:a16="http://schemas.microsoft.com/office/drawing/2014/main" val="445451117"/>
+                  </a:ext>
+                </a:extLst>
+              </a:tr>
+              <a:tr h="370840">
+                <a:tc vMerge="1">
+                  <a:txBody>
+                    <a:bodyPr/>
+                    <a:lstStyle/>
+                    <a:p>
+                      <a:pPr algn="ctr"/>
+                      <a:endParaRPr lang="en-US" dirty="0"/>
+                    </a:p>
+                  </a:txBody>
+                  <a:tcPr anchor="ctr"/>
+                </a:tc>
+                <a:tc>
+                  <a:txBody>
+                    <a:bodyPr/>
+                    <a:lstStyle/>
+                    <a:p>
+                      <a:pPr algn="ctr"/>
+                      <a:r>
+                        <a:rPr lang="en-US" dirty="0"/>
+                        <a:t>Percentage of station with trend (p&lt;0.05)</a:t>
+                      </a:r>
+                    </a:p>
+                  </a:txBody>
+                  <a:tcPr anchor="ctr"/>
+                </a:tc>
+                <a:tc>
+                  <a:txBody>
+                    <a:bodyPr/>
+                    <a:lstStyle/>
+                    <a:p>
+                      <a:pPr algn="ctr"/>
+                      <a:r>
+                        <a:rPr lang="en-US" dirty="0"/>
+                        <a:t>32%</a:t>
+                      </a:r>
+                    </a:p>
+                  </a:txBody>
+                  <a:tcPr anchor="ctr"/>
+                </a:tc>
+                <a:tc>
+                  <a:txBody>
+                    <a:bodyPr/>
+                    <a:lstStyle/>
+                    <a:p>
+                      <a:pPr algn="ctr"/>
+                      <a:r>
+                        <a:rPr lang="en-US" dirty="0"/>
+                        <a:t>65%</a:t>
+                      </a:r>
+                    </a:p>
+                  </a:txBody>
+                  <a:tcPr anchor="ctr"/>
+                </a:tc>
+                <a:tc>
+                  <a:txBody>
+                    <a:bodyPr/>
+                    <a:lstStyle/>
+                    <a:p>
+                      <a:pPr algn="ctr"/>
+                      <a:r>
+                        <a:rPr lang="en-US" dirty="0"/>
+                        <a:t>29%</a:t>
+                      </a:r>
+                    </a:p>
+                  </a:txBody>
+                  <a:tcPr anchor="ctr"/>
+                </a:tc>
+                <a:tc>
+                  <a:txBody>
+                    <a:bodyPr/>
+                    <a:lstStyle/>
+                    <a:p>
+                      <a:pPr algn="ctr"/>
+                      <a:r>
+                        <a:rPr lang="en-US" dirty="0"/>
+                        <a:t>77%</a:t>
+                      </a:r>
+                    </a:p>
+                  </a:txBody>
+                  <a:tcPr anchor="ctr"/>
+                </a:tc>
+                <a:extLst>
+                  <a:ext uri="{0D108BD9-81ED-4DB2-BD59-A6C34878D82A}">
+                    <a16:rowId xmlns:a16="http://schemas.microsoft.com/office/drawing/2014/main" val="3590066183"/>
+                  </a:ext>
+                </a:extLst>
+              </a:tr>
+              <a:tr h="370840">
+                <a:tc vMerge="1">
+                  <a:txBody>
+                    <a:bodyPr/>
+                    <a:lstStyle/>
+                    <a:p>
+                      <a:pPr algn="ctr"/>
+                      <a:endParaRPr lang="en-US" dirty="0"/>
+                    </a:p>
+                  </a:txBody>
+                  <a:tcPr anchor="ctr"/>
+                </a:tc>
+                <a:tc>
+                  <a:txBody>
+                    <a:bodyPr/>
+                    <a:lstStyle/>
+                    <a:p>
+                      <a:pPr algn="ctr"/>
+                      <a:r>
+                        <a:rPr lang="en-US" dirty="0"/>
+                        <a:t>Different than NA</a:t>
+                      </a:r>
+                    </a:p>
+                  </a:txBody>
+                  <a:tcPr anchor="ctr"/>
+                </a:tc>
+                <a:tc>
+                  <a:txBody>
+                    <a:bodyPr/>
+                    <a:lstStyle/>
+                    <a:p>
+                      <a:pPr algn="ctr"/>
+                      <a:endParaRPr lang="en-US" dirty="0"/>
+                    </a:p>
+                  </a:txBody>
+                  <a:tcPr anchor="ctr"/>
+                </a:tc>
+                <a:tc>
+                  <a:txBody>
+                    <a:bodyPr/>
+                    <a:lstStyle/>
+                    <a:p>
+                      <a:pPr algn="ctr"/>
+                      <a:r>
+                        <a:rPr lang="en-US" dirty="0"/>
+                        <a:t>2.4e-20</a:t>
+                      </a:r>
+                    </a:p>
+                  </a:txBody>
+                  <a:tcPr anchor="ctr"/>
+                </a:tc>
+                <a:tc>
+                  <a:txBody>
+                    <a:bodyPr/>
+                    <a:lstStyle/>
+                    <a:p>
+                      <a:pPr algn="ctr"/>
+                      <a:r>
+                        <a:rPr lang="en-US" dirty="0"/>
+                        <a:t>2.5e-3</a:t>
+                      </a:r>
+                    </a:p>
+                  </a:txBody>
+                  <a:tcPr anchor="ctr"/>
+                </a:tc>
+                <a:tc>
+                  <a:txBody>
+                    <a:bodyPr/>
+                    <a:lstStyle/>
+                    <a:p>
+                      <a:pPr algn="ctr"/>
+                      <a:r>
+                        <a:rPr lang="en-US" dirty="0"/>
+                        <a:t>2.8e-4</a:t>
+                      </a:r>
+                    </a:p>
+                  </a:txBody>
+                  <a:tcPr anchor="ctr"/>
+                </a:tc>
+                <a:extLst>
+                  <a:ext uri="{0D108BD9-81ED-4DB2-BD59-A6C34878D82A}">
+                    <a16:rowId xmlns:a16="http://schemas.microsoft.com/office/drawing/2014/main" val="3508854368"/>
+                  </a:ext>
+                </a:extLst>
+              </a:tr>
+              <a:tr h="370840">
+                <a:tc rowSpan="3">
+                  <a:txBody>
+                    <a:bodyPr/>
+                    <a:lstStyle/>
+                    <a:p>
+                      <a:pPr algn="ctr"/>
+                      <a:r>
+                        <a:rPr lang="en-US" dirty="0"/>
+                        <a:t>Trend of Extreme Hot Days</a:t>
+                      </a:r>
+                    </a:p>
+                  </a:txBody>
+                  <a:tcPr anchor="ctr"/>
+                </a:tc>
+                <a:tc>
+                  <a:txBody>
+                    <a:bodyPr/>
+                    <a:lstStyle/>
+                    <a:p>
+                      <a:pPr algn="ctr"/>
+                      <a:r>
+                        <a:rPr lang="en-US" dirty="0"/>
+                        <a:t>change per century</a:t>
+                      </a:r>
+                    </a:p>
+                  </a:txBody>
+                  <a:tcPr anchor="ctr"/>
+                </a:tc>
+                <a:tc>
+                  <a:txBody>
+                    <a:bodyPr/>
+                    <a:lstStyle/>
+                    <a:p>
+                      <a:pPr algn="ctr"/>
+                      <a:r>
+                        <a:rPr lang="en-US" dirty="0"/>
+                        <a:t>8.0</a:t>
+                      </a:r>
+                    </a:p>
+                  </a:txBody>
+                  <a:tcPr anchor="ctr"/>
+                </a:tc>
+                <a:tc>
+                  <a:txBody>
+                    <a:bodyPr/>
+                    <a:lstStyle/>
+                    <a:p>
+                      <a:pPr algn="ctr"/>
+                      <a:r>
+                        <a:rPr lang="en-US" dirty="0"/>
+                        <a:t>13.6</a:t>
+                      </a:r>
+                    </a:p>
+                  </a:txBody>
+                  <a:tcPr anchor="ctr"/>
+                </a:tc>
+                <a:tc>
+                  <a:txBody>
+                    <a:bodyPr/>
+                    <a:lstStyle/>
+                    <a:p>
+                      <a:pPr algn="ctr"/>
+                      <a:r>
+                        <a:rPr lang="en-US" dirty="0"/>
+                        <a:t>9.8</a:t>
+                      </a:r>
+                    </a:p>
+                  </a:txBody>
+                  <a:tcPr anchor="ctr"/>
+                </a:tc>
+                <a:tc>
+                  <a:txBody>
+                    <a:bodyPr/>
+                    <a:lstStyle/>
+                    <a:p>
+                      <a:pPr algn="ctr"/>
+                      <a:r>
+                        <a:rPr lang="en-US" dirty="0"/>
+                        <a:t>9.0</a:t>
+                      </a:r>
+                    </a:p>
+                  </a:txBody>
+                  <a:tcPr anchor="ctr"/>
+                </a:tc>
+                <a:extLst>
+                  <a:ext uri="{0D108BD9-81ED-4DB2-BD59-A6C34878D82A}">
+                    <a16:rowId xmlns:a16="http://schemas.microsoft.com/office/drawing/2014/main" val="1046079224"/>
+                  </a:ext>
+                </a:extLst>
+              </a:tr>
+              <a:tr h="370840">
+                <a:tc vMerge="1">
+                  <a:txBody>
+                    <a:bodyPr/>
+                    <a:lstStyle/>
+                    <a:p>
+                      <a:pPr algn="ctr"/>
+                      <a:endParaRPr lang="en-US" dirty="0"/>
+                    </a:p>
+                  </a:txBody>
+                  <a:tcPr anchor="ctr"/>
+                </a:tc>
+                <a:tc>
+                  <a:txBody>
+                    <a:bodyPr/>
+                    <a:lstStyle/>
+                    <a:p>
+                      <a:pPr algn="ctr"/>
+                      <a:r>
+                        <a:rPr lang="en-US" dirty="0"/>
+                        <a:t>Percentage of station with trend (p&gt;0.05)</a:t>
+                      </a:r>
+                    </a:p>
+                  </a:txBody>
+                  <a:tcPr anchor="ctr"/>
+                </a:tc>
+                <a:tc>
+                  <a:txBody>
+                    <a:bodyPr/>
+                    <a:lstStyle/>
+                    <a:p>
+                      <a:pPr algn="ctr"/>
+                      <a:r>
+                        <a:rPr lang="en-US" dirty="0"/>
+                        <a:t>40%</a:t>
+                      </a:r>
+                    </a:p>
+                  </a:txBody>
+                  <a:tcPr anchor="ctr"/>
+                </a:tc>
+                <a:tc>
+                  <a:txBody>
+                    <a:bodyPr/>
+                    <a:lstStyle/>
+                    <a:p>
+                      <a:pPr algn="ctr"/>
+                      <a:r>
+                        <a:rPr lang="en-US" dirty="0"/>
+                        <a:t>74%</a:t>
+                      </a:r>
+                    </a:p>
+                  </a:txBody>
+                  <a:tcPr anchor="ctr"/>
+                </a:tc>
+                <a:tc>
+                  <a:txBody>
+                    <a:bodyPr/>
+                    <a:lstStyle/>
+                    <a:p>
+                      <a:pPr algn="ctr"/>
+                      <a:r>
+                        <a:rPr lang="en-US" dirty="0"/>
+                        <a:t>40%</a:t>
+                      </a:r>
+                    </a:p>
+                  </a:txBody>
+                  <a:tcPr anchor="ctr"/>
+                </a:tc>
+                <a:tc>
+                  <a:txBody>
+                    <a:bodyPr/>
+                    <a:lstStyle/>
+                    <a:p>
+                      <a:pPr algn="ctr"/>
+                      <a:r>
+                        <a:rPr lang="en-US" dirty="0"/>
+                        <a:t>91.4%</a:t>
+                      </a:r>
+                    </a:p>
+                  </a:txBody>
+                  <a:tcPr anchor="ctr"/>
+                </a:tc>
+                <a:extLst>
+                  <a:ext uri="{0D108BD9-81ED-4DB2-BD59-A6C34878D82A}">
+                    <a16:rowId xmlns:a16="http://schemas.microsoft.com/office/drawing/2014/main" val="3009613819"/>
+                  </a:ext>
+                </a:extLst>
+              </a:tr>
+              <a:tr h="370840">
+                <a:tc vMerge="1">
+                  <a:txBody>
+                    <a:bodyPr/>
+                    <a:lstStyle/>
+                    <a:p>
+                      <a:pPr algn="ctr"/>
+                      <a:endParaRPr lang="en-US" dirty="0"/>
+                    </a:p>
+                  </a:txBody>
+                  <a:tcPr anchor="ctr"/>
+                </a:tc>
+                <a:tc>
+                  <a:txBody>
+                    <a:bodyPr/>
+                    <a:lstStyle/>
+                    <a:p>
+                      <a:pPr algn="ctr"/>
+                      <a:r>
+                        <a:rPr lang="en-US" dirty="0"/>
+                        <a:t>Different than NA</a:t>
+                      </a:r>
+                    </a:p>
+                  </a:txBody>
+                  <a:tcPr anchor="ctr"/>
+                </a:tc>
+                <a:tc>
+                  <a:txBody>
+                    <a:bodyPr/>
+                    <a:lstStyle/>
+                    <a:p>
+                      <a:pPr algn="ctr"/>
+                      <a:endParaRPr lang="en-US" dirty="0"/>
+                    </a:p>
+                  </a:txBody>
+                  <a:tcPr anchor="ctr"/>
+                </a:tc>
+                <a:tc>
+                  <a:txBody>
+                    <a:bodyPr/>
+                    <a:lstStyle/>
+                    <a:p>
+                      <a:pPr algn="ctr"/>
+                      <a:r>
+                        <a:rPr lang="en-US" dirty="0"/>
+                        <a:t>3.7e-8</a:t>
+                      </a:r>
+                    </a:p>
+                  </a:txBody>
+                  <a:tcPr anchor="ctr"/>
+                </a:tc>
+                <a:tc>
+                  <a:txBody>
+                    <a:bodyPr/>
+                    <a:lstStyle/>
+                    <a:p>
+                      <a:pPr algn="ctr"/>
+                      <a:r>
+                        <a:rPr lang="en-US" dirty="0"/>
+                        <a:t>0.014</a:t>
+                      </a:r>
+                    </a:p>
+                  </a:txBody>
+                  <a:tcPr anchor="ctr"/>
+                </a:tc>
+                <a:tc>
+                  <a:txBody>
+                    <a:bodyPr/>
+                    <a:lstStyle/>
+                    <a:p>
+                      <a:pPr algn="ctr"/>
+                      <a:r>
+                        <a:rPr lang="en-US" dirty="0"/>
+                        <a:t>0.23</a:t>
+                      </a:r>
+                    </a:p>
+                  </a:txBody>
+                  <a:tcPr anchor="ctr"/>
+                </a:tc>
+                <a:extLst>
+                  <a:ext uri="{0D108BD9-81ED-4DB2-BD59-A6C34878D82A}">
+                    <a16:rowId xmlns:a16="http://schemas.microsoft.com/office/drawing/2014/main" val="130157435"/>
+                  </a:ext>
+                </a:extLst>
+              </a:tr>
+              <a:tr h="370840">
+                <a:tc rowSpan="3">
+                  <a:txBody>
+                    <a:bodyPr/>
+                    <a:lstStyle/>
+                    <a:p>
+                      <a:pPr algn="ctr"/>
+                      <a:r>
+                        <a:rPr lang="en-US" dirty="0"/>
+                        <a:t>Winter High</a:t>
+                      </a:r>
+                    </a:p>
+                  </a:txBody>
+                  <a:tcPr anchor="ctr"/>
+                </a:tc>
+                <a:tc>
+                  <a:txBody>
+                    <a:bodyPr/>
+                    <a:lstStyle/>
+                    <a:p>
+                      <a:pPr algn="ctr"/>
+                      <a:r>
+                        <a:rPr lang="en-US" dirty="0"/>
+                        <a:t>change per century</a:t>
+                      </a:r>
+                    </a:p>
+                  </a:txBody>
+                  <a:tcPr anchor="ctr"/>
+                </a:tc>
+                <a:tc>
+                  <a:txBody>
+                    <a:bodyPr/>
+                    <a:lstStyle/>
+                    <a:p>
+                      <a:pPr algn="ctr"/>
+                      <a:r>
+                        <a:rPr lang="en-US" dirty="0"/>
+                        <a:t>6.5</a:t>
+                      </a:r>
+                    </a:p>
+                  </a:txBody>
+                  <a:tcPr anchor="ctr"/>
+                </a:tc>
+                <a:tc>
+                  <a:txBody>
+                    <a:bodyPr/>
+                    <a:lstStyle/>
+                    <a:p>
+                      <a:pPr algn="ctr"/>
+                      <a:r>
+                        <a:rPr lang="en-US" dirty="0"/>
+                        <a:t>9.5</a:t>
+                      </a:r>
+                    </a:p>
+                  </a:txBody>
+                  <a:tcPr anchor="ctr"/>
+                </a:tc>
+                <a:tc>
+                  <a:txBody>
+                    <a:bodyPr/>
+                    <a:lstStyle/>
+                    <a:p>
+                      <a:pPr algn="ctr"/>
+                      <a:r>
+                        <a:rPr lang="en-US" dirty="0"/>
+                        <a:t>9.2</a:t>
+                      </a:r>
+                    </a:p>
+                  </a:txBody>
+                  <a:tcPr anchor="ctr"/>
+                </a:tc>
+                <a:tc>
+                  <a:txBody>
+                    <a:bodyPr/>
+                    <a:lstStyle/>
+                    <a:p>
+                      <a:pPr algn="ctr"/>
+                      <a:endParaRPr lang="en-US" dirty="0"/>
+                    </a:p>
+                  </a:txBody>
+                  <a:tcPr anchor="ctr"/>
+                </a:tc>
+                <a:extLst>
+                  <a:ext uri="{0D108BD9-81ED-4DB2-BD59-A6C34878D82A}">
+                    <a16:rowId xmlns:a16="http://schemas.microsoft.com/office/drawing/2014/main" val="3028892465"/>
+                  </a:ext>
+                </a:extLst>
+              </a:tr>
+              <a:tr h="370840">
+                <a:tc vMerge="1">
+                  <a:txBody>
+                    <a:bodyPr/>
+                    <a:lstStyle/>
+                    <a:p>
+                      <a:pPr algn="ctr"/>
+                      <a:endParaRPr lang="en-US" dirty="0"/>
+                    </a:p>
+                  </a:txBody>
+                  <a:tcPr anchor="ctr"/>
+                </a:tc>
+                <a:tc>
+                  <a:txBody>
+                    <a:bodyPr/>
+                    <a:lstStyle/>
+                    <a:p>
+                      <a:pPr algn="ctr"/>
+                      <a:r>
+                        <a:rPr lang="en-US" dirty="0"/>
+                        <a:t>Percentage of station with trend (p&gt;0.05)</a:t>
+                      </a:r>
+                    </a:p>
+                  </a:txBody>
+                  <a:tcPr anchor="ctr"/>
+                </a:tc>
+                <a:tc>
+                  <a:txBody>
+                    <a:bodyPr/>
+                    <a:lstStyle/>
+                    <a:p>
+                      <a:pPr algn="ctr"/>
+                      <a:r>
+                        <a:rPr lang="en-US" dirty="0"/>
+                        <a:t>37%</a:t>
+                      </a:r>
+                    </a:p>
+                  </a:txBody>
+                  <a:tcPr anchor="ctr"/>
+                </a:tc>
+                <a:tc>
+                  <a:txBody>
+                    <a:bodyPr/>
+                    <a:lstStyle/>
+                    <a:p>
+                      <a:pPr algn="ctr"/>
+                      <a:r>
+                        <a:rPr lang="en-US" dirty="0"/>
+                        <a:t>36%</a:t>
+                      </a:r>
+                    </a:p>
+                  </a:txBody>
+                  <a:tcPr anchor="ctr"/>
+                </a:tc>
+                <a:tc>
+                  <a:txBody>
+                    <a:bodyPr/>
+                    <a:lstStyle/>
+                    <a:p>
+                      <a:pPr algn="ctr"/>
+                      <a:r>
+                        <a:rPr lang="en-US" dirty="0"/>
+                        <a:t>18%</a:t>
+                      </a:r>
+                    </a:p>
+                  </a:txBody>
+                  <a:tcPr anchor="ctr"/>
+                </a:tc>
+                <a:tc>
+                  <a:txBody>
+                    <a:bodyPr/>
+                    <a:lstStyle/>
+                    <a:p>
+                      <a:pPr algn="ctr"/>
+                      <a:endParaRPr lang="en-US" dirty="0"/>
+                    </a:p>
+                  </a:txBody>
+                  <a:tcPr anchor="ctr"/>
+                </a:tc>
+                <a:extLst>
+                  <a:ext uri="{0D108BD9-81ED-4DB2-BD59-A6C34878D82A}">
+                    <a16:rowId xmlns:a16="http://schemas.microsoft.com/office/drawing/2014/main" val="1102842031"/>
+                  </a:ext>
+                </a:extLst>
+              </a:tr>
+              <a:tr h="370840">
+                <a:tc vMerge="1">
+                  <a:txBody>
+                    <a:bodyPr/>
+                    <a:lstStyle/>
+                    <a:p>
+                      <a:pPr algn="ctr"/>
+                      <a:endParaRPr lang="en-US" dirty="0"/>
+                    </a:p>
+                  </a:txBody>
+                  <a:tcPr anchor="ctr"/>
+                </a:tc>
+                <a:tc>
+                  <a:txBody>
+                    <a:bodyPr/>
+                    <a:lstStyle/>
+                    <a:p>
+                      <a:pPr algn="ctr"/>
+                      <a:r>
+                        <a:rPr lang="en-US" dirty="0"/>
+                        <a:t>Different than NA</a:t>
+                      </a:r>
+                    </a:p>
+                  </a:txBody>
+                  <a:tcPr anchor="ctr"/>
+                </a:tc>
+                <a:tc>
+                  <a:txBody>
+                    <a:bodyPr/>
+                    <a:lstStyle/>
+                    <a:p>
+                      <a:pPr algn="ctr"/>
+                      <a:endParaRPr lang="en-US" dirty="0"/>
+                    </a:p>
+                  </a:txBody>
+                  <a:tcPr anchor="ctr"/>
+                </a:tc>
+                <a:tc>
+                  <a:txBody>
+                    <a:bodyPr/>
+                    <a:lstStyle/>
+                    <a:p>
+                      <a:pPr algn="ctr"/>
+                      <a:r>
+                        <a:rPr lang="en-US" dirty="0"/>
+                        <a:t>3.6e-4</a:t>
+                      </a:r>
+                    </a:p>
+                  </a:txBody>
+                  <a:tcPr anchor="ctr"/>
+                </a:tc>
+                <a:tc>
+                  <a:txBody>
+                    <a:bodyPr/>
+                    <a:lstStyle/>
+                    <a:p>
+                      <a:pPr algn="ctr"/>
+                      <a:r>
+                        <a:rPr lang="en-US" dirty="0"/>
+                        <a:t>2.9e-3</a:t>
+                      </a:r>
+                    </a:p>
+                  </a:txBody>
+                  <a:tcPr anchor="ctr"/>
+                </a:tc>
+                <a:tc>
+                  <a:txBody>
+                    <a:bodyPr/>
+                    <a:lstStyle/>
+                    <a:p>
+                      <a:pPr algn="ctr"/>
+                      <a:endParaRPr lang="en-US" dirty="0"/>
+                    </a:p>
+                  </a:txBody>
+                  <a:tcPr anchor="ctr"/>
+                </a:tc>
+                <a:extLst>
+                  <a:ext uri="{0D108BD9-81ED-4DB2-BD59-A6C34878D82A}">
+                    <a16:rowId xmlns:a16="http://schemas.microsoft.com/office/drawing/2014/main" val="1290548923"/>
+                  </a:ext>
+                </a:extLst>
+              </a:tr>
+            </a:tbl>
+          </a:graphicData>
+        </a:graphic>
+      </p:graphicFrame>
+    </p:spTree>
+    <p:extLst>
+      <p:ext uri="{BB962C8B-B14F-4D97-AF65-F5344CB8AC3E}">
+        <p14:creationId xmlns:p14="http://schemas.microsoft.com/office/powerpoint/2010/main" val="2975396885"/>
+      </p:ext>
+    </p:extLst>
+  </p:cSld>
+  <p:clrMapOvr>
+    <a:masterClrMapping/>
+  </p:clrMapOvr>
+</p:sld>
+</file>
+
+<file path=ppt/slides/slide13.xml><?xml version="1.0" encoding="utf-8"?>
+<p:sld xmlns:a="http://schemas.openxmlformats.org/drawingml/2006/main" xmlns:r="http://schemas.openxmlformats.org/officeDocument/2006/relationships" xmlns:p="http://schemas.openxmlformats.org/presentationml/2006/main">
+  <p:cSld>
+    <p:spTree>
+      <p:nvGrpSpPr>
+        <p:cNvPr id="1" name=""/>
+        <p:cNvGrpSpPr/>
+        <p:nvPr/>
+      </p:nvGrpSpPr>
+      <p:grpSpPr>
+        <a:xfrm>
+          <a:off x="0" y="0"/>
+          <a:ext cx="0" cy="0"/>
+          <a:chOff x="0" y="0"/>
+          <a:chExt cx="0" cy="0"/>
+        </a:xfrm>
+      </p:grpSpPr>
+      <p:sp>
+        <p:nvSpPr>
+          <p:cNvPr id="10" name="TextBox 9">
+            <a:extLst>
+              <a:ext uri="{FF2B5EF4-FFF2-40B4-BE49-F238E27FC236}">
+                <a16:creationId xmlns:a16="http://schemas.microsoft.com/office/drawing/2014/main" id="{385F1307-9B11-4050-B9D9-0DBA687A842E}"/>
+              </a:ext>
+            </a:extLst>
+          </p:cNvPr>
+          <p:cNvSpPr txBox="1"/>
+          <p:nvPr/>
+        </p:nvSpPr>
+        <p:spPr>
+          <a:xfrm>
+            <a:off x="264160" y="416560"/>
+            <a:ext cx="4373505" cy="369332"/>
+          </a:xfrm>
+          <a:prstGeom prst="rect">
+            <a:avLst/>
+          </a:prstGeom>
+          <a:noFill/>
+        </p:spPr>
+        <p:txBody>
+          <a:bodyPr wrap="none" rtlCol="0">
+            <a:spAutoFit/>
+          </a:bodyPr>
+          <a:lstStyle/>
+          <a:p>
+            <a:r>
+              <a:rPr lang="en-US" dirty="0"/>
+              <a:t>Dec-Feb Temperature Autocorrelation (lag 2)</a:t>
+            </a:r>
+          </a:p>
+        </p:txBody>
+      </p:sp>
+      <p:pic>
+        <p:nvPicPr>
+          <p:cNvPr id="4" name="Picture 3">
+            <a:extLst>
+              <a:ext uri="{FF2B5EF4-FFF2-40B4-BE49-F238E27FC236}">
+                <a16:creationId xmlns:a16="http://schemas.microsoft.com/office/drawing/2014/main" id="{CACDD318-0169-4666-A785-2DDC7E34C057}"/>
+              </a:ext>
+            </a:extLst>
+          </p:cNvPr>
+          <p:cNvPicPr>
+            <a:picLocks noChangeAspect="1"/>
+          </p:cNvPicPr>
+          <p:nvPr/>
+        </p:nvPicPr>
+        <p:blipFill>
+          <a:blip r:embed="rId2"/>
+          <a:stretch>
+            <a:fillRect/>
+          </a:stretch>
+        </p:blipFill>
+        <p:spPr>
+          <a:xfrm>
+            <a:off x="530772" y="785892"/>
+            <a:ext cx="11130455" cy="5870171"/>
+          </a:xfrm>
+          <a:prstGeom prst="rect">
+            <a:avLst/>
+          </a:prstGeom>
+        </p:spPr>
+      </p:pic>
+    </p:spTree>
+    <p:extLst>
+      <p:ext uri="{BB962C8B-B14F-4D97-AF65-F5344CB8AC3E}">
+        <p14:creationId xmlns:p14="http://schemas.microsoft.com/office/powerpoint/2010/main" val="124103454"/>
+      </p:ext>
+    </p:extLst>
+  </p:cSld>
+  <p:clrMapOvr>
+    <a:masterClrMapping/>
+  </p:clrMapOvr>
+</p:sld>
+</file>
+
+<file path=ppt/slides/slide14.xml><?xml version="1.0" encoding="utf-8"?>
+<p:sld xmlns:a="http://schemas.openxmlformats.org/drawingml/2006/main" xmlns:r="http://schemas.openxmlformats.org/officeDocument/2006/relationships" xmlns:p="http://schemas.openxmlformats.org/presentationml/2006/main">
+  <p:cSld>
+    <p:spTree>
+      <p:nvGrpSpPr>
+        <p:cNvPr id="1" name=""/>
+        <p:cNvGrpSpPr/>
+        <p:nvPr/>
+      </p:nvGrpSpPr>
+      <p:grpSpPr>
+        <a:xfrm>
+          <a:off x="0" y="0"/>
+          <a:ext cx="0" cy="0"/>
+          <a:chOff x="0" y="0"/>
+          <a:chExt cx="0" cy="0"/>
+        </a:xfrm>
+      </p:grpSpPr>
+      <p:sp>
+        <p:nvSpPr>
+          <p:cNvPr id="10" name="TextBox 9">
+            <a:extLst>
+              <a:ext uri="{FF2B5EF4-FFF2-40B4-BE49-F238E27FC236}">
+                <a16:creationId xmlns:a16="http://schemas.microsoft.com/office/drawing/2014/main" id="{385F1307-9B11-4050-B9D9-0DBA687A842E}"/>
+              </a:ext>
+            </a:extLst>
+          </p:cNvPr>
+          <p:cNvSpPr txBox="1"/>
+          <p:nvPr/>
+        </p:nvSpPr>
+        <p:spPr>
+          <a:xfrm>
+            <a:off x="264160" y="416560"/>
+            <a:ext cx="4373505" cy="369332"/>
+          </a:xfrm>
+          <a:prstGeom prst="rect">
+            <a:avLst/>
+          </a:prstGeom>
+          <a:noFill/>
+        </p:spPr>
+        <p:txBody>
+          <a:bodyPr wrap="none" rtlCol="0">
+            <a:spAutoFit/>
+          </a:bodyPr>
+          <a:lstStyle/>
+          <a:p>
+            <a:r>
+              <a:rPr lang="en-US" dirty="0"/>
+              <a:t>Dec-Feb Temperature Autocorrelation (lag 4)</a:t>
+            </a:r>
+          </a:p>
+        </p:txBody>
+      </p:sp>
+      <p:pic>
+        <p:nvPicPr>
+          <p:cNvPr id="6" name="Picture 5">
+            <a:extLst>
+              <a:ext uri="{FF2B5EF4-FFF2-40B4-BE49-F238E27FC236}">
+                <a16:creationId xmlns:a16="http://schemas.microsoft.com/office/drawing/2014/main" id="{32D98DB0-4B12-4A44-80DA-5AE0C4B8696F}"/>
+              </a:ext>
+            </a:extLst>
+          </p:cNvPr>
+          <p:cNvPicPr>
+            <a:picLocks noChangeAspect="1"/>
+          </p:cNvPicPr>
+          <p:nvPr/>
+        </p:nvPicPr>
+        <p:blipFill>
+          <a:blip r:embed="rId2"/>
+          <a:stretch>
+            <a:fillRect/>
+          </a:stretch>
+        </p:blipFill>
+        <p:spPr>
+          <a:xfrm>
+            <a:off x="861848" y="972755"/>
+            <a:ext cx="10846676" cy="5776042"/>
+          </a:xfrm>
+          <a:prstGeom prst="rect">
+            <a:avLst/>
+          </a:prstGeom>
+        </p:spPr>
+      </p:pic>
+    </p:spTree>
+    <p:extLst>
+      <p:ext uri="{BB962C8B-B14F-4D97-AF65-F5344CB8AC3E}">
+        <p14:creationId xmlns:p14="http://schemas.microsoft.com/office/powerpoint/2010/main" val="1561306154"/>
+      </p:ext>
+    </p:extLst>
+  </p:cSld>
+  <p:clrMapOvr>
+    <a:masterClrMapping/>
+  </p:clrMapOvr>
+</p:sld>
+</file>
+
+<file path=ppt/slides/slide15.xml><?xml version="1.0" encoding="utf-8"?>
+<p:sld xmlns:a="http://schemas.openxmlformats.org/drawingml/2006/main" xmlns:r="http://schemas.openxmlformats.org/officeDocument/2006/relationships" xmlns:p="http://schemas.openxmlformats.org/presentationml/2006/main">
+  <p:cSld>
+    <p:spTree>
+      <p:nvGrpSpPr>
+        <p:cNvPr id="1" name=""/>
+        <p:cNvGrpSpPr/>
+        <p:nvPr/>
+      </p:nvGrpSpPr>
+      <p:grpSpPr>
+        <a:xfrm>
+          <a:off x="0" y="0"/>
+          <a:ext cx="0" cy="0"/>
+          <a:chOff x="0" y="0"/>
+          <a:chExt cx="0" cy="0"/>
+        </a:xfrm>
+      </p:grpSpPr>
+      <p:sp>
+        <p:nvSpPr>
+          <p:cNvPr id="10" name="TextBox 9">
+            <a:extLst>
+              <a:ext uri="{FF2B5EF4-FFF2-40B4-BE49-F238E27FC236}">
+                <a16:creationId xmlns:a16="http://schemas.microsoft.com/office/drawing/2014/main" id="{385F1307-9B11-4050-B9D9-0DBA687A842E}"/>
+              </a:ext>
+            </a:extLst>
+          </p:cNvPr>
+          <p:cNvSpPr txBox="1"/>
+          <p:nvPr/>
+        </p:nvSpPr>
+        <p:spPr>
+          <a:xfrm>
+            <a:off x="264160" y="416560"/>
+            <a:ext cx="4359270" cy="369332"/>
+          </a:xfrm>
+          <a:prstGeom prst="rect">
+            <a:avLst/>
+          </a:prstGeom>
+          <a:noFill/>
+        </p:spPr>
+        <p:txBody>
+          <a:bodyPr wrap="none" rtlCol="0">
+            <a:spAutoFit/>
+          </a:bodyPr>
+          <a:lstStyle/>
+          <a:p>
+            <a:r>
+              <a:rPr lang="en-US" dirty="0"/>
+              <a:t>Jun-Aug Temperature Autocorrelation (lag 2)</a:t>
+            </a:r>
+          </a:p>
+        </p:txBody>
+      </p:sp>
+      <p:pic>
+        <p:nvPicPr>
+          <p:cNvPr id="8" name="Picture 7">
+            <a:extLst>
+              <a:ext uri="{FF2B5EF4-FFF2-40B4-BE49-F238E27FC236}">
+                <a16:creationId xmlns:a16="http://schemas.microsoft.com/office/drawing/2014/main" id="{B8286CB1-1A1A-4F23-BF12-B86B3D138337}"/>
+              </a:ext>
+            </a:extLst>
+          </p:cNvPr>
+          <p:cNvPicPr>
+            <a:picLocks noChangeAspect="1"/>
+          </p:cNvPicPr>
+          <p:nvPr/>
+        </p:nvPicPr>
+        <p:blipFill>
+          <a:blip r:embed="rId2"/>
+          <a:stretch>
+            <a:fillRect/>
+          </a:stretch>
+        </p:blipFill>
+        <p:spPr>
+          <a:xfrm>
+            <a:off x="1229359" y="1161418"/>
+            <a:ext cx="10108565" cy="5466712"/>
+          </a:xfrm>
+          <a:prstGeom prst="rect">
+            <a:avLst/>
+          </a:prstGeom>
+        </p:spPr>
+      </p:pic>
+    </p:spTree>
+    <p:extLst>
+      <p:ext uri="{BB962C8B-B14F-4D97-AF65-F5344CB8AC3E}">
+        <p14:creationId xmlns:p14="http://schemas.microsoft.com/office/powerpoint/2010/main" val="2355543585"/>
+      </p:ext>
+    </p:extLst>
+  </p:cSld>
+  <p:clrMapOvr>
+    <a:masterClrMapping/>
+  </p:clrMapOvr>
+</p:sld>
+</file>
+
+<file path=ppt/slides/slide16.xml><?xml version="1.0" encoding="utf-8"?>
+<p:sld xmlns:a="http://schemas.openxmlformats.org/drawingml/2006/main" xmlns:r="http://schemas.openxmlformats.org/officeDocument/2006/relationships" xmlns:p="http://schemas.openxmlformats.org/presentationml/2006/main">
+  <p:cSld>
+    <p:spTree>
+      <p:nvGrpSpPr>
+        <p:cNvPr id="1" name=""/>
+        <p:cNvGrpSpPr/>
+        <p:nvPr/>
+      </p:nvGrpSpPr>
+      <p:grpSpPr>
+        <a:xfrm>
+          <a:off x="0" y="0"/>
+          <a:ext cx="0" cy="0"/>
+          <a:chOff x="0" y="0"/>
+          <a:chExt cx="0" cy="0"/>
+        </a:xfrm>
+      </p:grpSpPr>
+      <p:sp>
+        <p:nvSpPr>
+          <p:cNvPr id="10" name="TextBox 9">
+            <a:extLst>
+              <a:ext uri="{FF2B5EF4-FFF2-40B4-BE49-F238E27FC236}">
+                <a16:creationId xmlns:a16="http://schemas.microsoft.com/office/drawing/2014/main" id="{385F1307-9B11-4050-B9D9-0DBA687A842E}"/>
+              </a:ext>
+            </a:extLst>
+          </p:cNvPr>
+          <p:cNvSpPr txBox="1"/>
+          <p:nvPr/>
+        </p:nvSpPr>
+        <p:spPr>
+          <a:xfrm>
+            <a:off x="264160" y="416560"/>
+            <a:ext cx="4359270" cy="369332"/>
+          </a:xfrm>
+          <a:prstGeom prst="rect">
+            <a:avLst/>
+          </a:prstGeom>
+          <a:noFill/>
+        </p:spPr>
+        <p:txBody>
+          <a:bodyPr wrap="none" rtlCol="0">
+            <a:spAutoFit/>
+          </a:bodyPr>
+          <a:lstStyle/>
+          <a:p>
+            <a:r>
+              <a:rPr lang="en-US" dirty="0"/>
+              <a:t>Jun-Aug Temperature Autocorrelation (lag 4)</a:t>
+            </a:r>
+          </a:p>
+        </p:txBody>
+      </p:sp>
+      <p:pic>
+        <p:nvPicPr>
+          <p:cNvPr id="3" name="Picture 2">
+            <a:extLst>
+              <a:ext uri="{FF2B5EF4-FFF2-40B4-BE49-F238E27FC236}">
+                <a16:creationId xmlns:a16="http://schemas.microsoft.com/office/drawing/2014/main" id="{FF2CE4FA-7DA3-4FCC-999E-D0E3CE799201}"/>
+              </a:ext>
+            </a:extLst>
+          </p:cNvPr>
+          <p:cNvPicPr>
+            <a:picLocks noChangeAspect="1"/>
+          </p:cNvPicPr>
+          <p:nvPr/>
+        </p:nvPicPr>
+        <p:blipFill>
+          <a:blip r:embed="rId2"/>
+          <a:stretch>
+            <a:fillRect/>
+          </a:stretch>
+        </p:blipFill>
+        <p:spPr>
+          <a:xfrm>
+            <a:off x="975360" y="1088917"/>
+            <a:ext cx="10993120" cy="5686388"/>
+          </a:xfrm>
+          <a:prstGeom prst="rect">
+            <a:avLst/>
+          </a:prstGeom>
+        </p:spPr>
+      </p:pic>
+    </p:spTree>
+    <p:extLst>
+      <p:ext uri="{BB962C8B-B14F-4D97-AF65-F5344CB8AC3E}">
+        <p14:creationId xmlns:p14="http://schemas.microsoft.com/office/powerpoint/2010/main" val="2072144706"/>
+      </p:ext>
+    </p:extLst>
+  </p:cSld>
+  <p:clrMapOvr>
+    <a:masterClrMapping/>
+  </p:clrMapOvr>
+</p:sld>
+</file>
+
+<file path=ppt/slides/slide17.xml><?xml version="1.0" encoding="utf-8"?>
+<p:sld xmlns:a="http://schemas.openxmlformats.org/drawingml/2006/main" xmlns:r="http://schemas.openxmlformats.org/officeDocument/2006/relationships" xmlns:p="http://schemas.openxmlformats.org/presentationml/2006/main">
+  <p:cSld>
+    <p:spTree>
+      <p:nvGrpSpPr>
+        <p:cNvPr id="1" name=""/>
+        <p:cNvGrpSpPr/>
+        <p:nvPr/>
+      </p:nvGrpSpPr>
+      <p:grpSpPr>
+        <a:xfrm>
+          <a:off x="0" y="0"/>
+          <a:ext cx="0" cy="0"/>
+          <a:chOff x="0" y="0"/>
+          <a:chExt cx="0" cy="0"/>
+        </a:xfrm>
+      </p:grpSpPr>
+      <p:sp>
+        <p:nvSpPr>
+          <p:cNvPr id="10" name="TextBox 9">
+            <a:extLst>
+              <a:ext uri="{FF2B5EF4-FFF2-40B4-BE49-F238E27FC236}">
+                <a16:creationId xmlns:a16="http://schemas.microsoft.com/office/drawing/2014/main" id="{385F1307-9B11-4050-B9D9-0DBA687A842E}"/>
+              </a:ext>
+            </a:extLst>
+          </p:cNvPr>
+          <p:cNvSpPr txBox="1"/>
+          <p:nvPr/>
+        </p:nvSpPr>
+        <p:spPr>
+          <a:xfrm>
+            <a:off x="81280" y="304800"/>
+            <a:ext cx="2918171" cy="369332"/>
+          </a:xfrm>
+          <a:prstGeom prst="rect">
+            <a:avLst/>
+          </a:prstGeom>
+          <a:noFill/>
+        </p:spPr>
+        <p:txBody>
+          <a:bodyPr wrap="none" rtlCol="0">
+            <a:spAutoFit/>
+          </a:bodyPr>
+          <a:lstStyle/>
+          <a:p>
+            <a:r>
+              <a:rPr lang="en-US" dirty="0"/>
+              <a:t>Temperature Autocorrelation</a:t>
+            </a:r>
+          </a:p>
+        </p:txBody>
+      </p:sp>
+      <p:graphicFrame>
+        <p:nvGraphicFramePr>
+          <p:cNvPr id="3" name="Table 3">
+            <a:extLst>
+              <a:ext uri="{FF2B5EF4-FFF2-40B4-BE49-F238E27FC236}">
+                <a16:creationId xmlns:a16="http://schemas.microsoft.com/office/drawing/2014/main" id="{0C4E1F07-D8B0-4A32-96E2-3B9E95A5CC4B}"/>
+              </a:ext>
+            </a:extLst>
+          </p:cNvPr>
+          <p:cNvGraphicFramePr>
+            <a:graphicFrameLocks noGrp="1"/>
+          </p:cNvGraphicFramePr>
+          <p:nvPr>
+            <p:extLst>
+              <p:ext uri="{D42A27DB-BD31-4B8C-83A1-F6EECF244321}">
+                <p14:modId xmlns:p14="http://schemas.microsoft.com/office/powerpoint/2010/main" val="1262862978"/>
+              </p:ext>
+            </p:extLst>
+          </p:nvPr>
+        </p:nvGraphicFramePr>
+        <p:xfrm>
+          <a:off x="264160" y="674132"/>
+          <a:ext cx="11379200" cy="6167120"/>
+        </p:xfrm>
+        <a:graphic>
+          <a:graphicData uri="http://schemas.openxmlformats.org/drawingml/2006/table">
+            <a:tbl>
+              <a:tblPr firstRow="1" bandRow="1">
+                <a:tableStyleId>{5C22544A-7EE6-4342-B048-85BDC9FD1C3A}</a:tableStyleId>
+              </a:tblPr>
+              <a:tblGrid>
+                <a:gridCol w="1879600">
+                  <a:extLst>
+                    <a:ext uri="{9D8B030D-6E8A-4147-A177-3AD203B41FA5}">
+                      <a16:colId xmlns:a16="http://schemas.microsoft.com/office/drawing/2014/main" val="1703165336"/>
+                    </a:ext>
+                  </a:extLst>
+                </a:gridCol>
+                <a:gridCol w="2306320">
+                  <a:extLst>
+                    <a:ext uri="{9D8B030D-6E8A-4147-A177-3AD203B41FA5}">
+                      <a16:colId xmlns:a16="http://schemas.microsoft.com/office/drawing/2014/main" val="1457223567"/>
+                    </a:ext>
+                  </a:extLst>
+                </a:gridCol>
+                <a:gridCol w="1493520">
+                  <a:extLst>
+                    <a:ext uri="{9D8B030D-6E8A-4147-A177-3AD203B41FA5}">
+                      <a16:colId xmlns:a16="http://schemas.microsoft.com/office/drawing/2014/main" val="1527871884"/>
+                    </a:ext>
+                  </a:extLst>
+                </a:gridCol>
+                <a:gridCol w="1899920">
+                  <a:extLst>
+                    <a:ext uri="{9D8B030D-6E8A-4147-A177-3AD203B41FA5}">
+                      <a16:colId xmlns:a16="http://schemas.microsoft.com/office/drawing/2014/main" val="1206382234"/>
+                    </a:ext>
+                  </a:extLst>
+                </a:gridCol>
+                <a:gridCol w="1899920">
+                  <a:extLst>
+                    <a:ext uri="{9D8B030D-6E8A-4147-A177-3AD203B41FA5}">
+                      <a16:colId xmlns:a16="http://schemas.microsoft.com/office/drawing/2014/main" val="3420448209"/>
+                    </a:ext>
+                  </a:extLst>
+                </a:gridCol>
+                <a:gridCol w="1899920">
+                  <a:extLst>
+                    <a:ext uri="{9D8B030D-6E8A-4147-A177-3AD203B41FA5}">
+                      <a16:colId xmlns:a16="http://schemas.microsoft.com/office/drawing/2014/main" val="2988213331"/>
+                    </a:ext>
+                  </a:extLst>
+                </a:gridCol>
+              </a:tblGrid>
+              <a:tr h="370840">
+                <a:tc>
+                  <a:txBody>
+                    <a:bodyPr/>
+                    <a:lstStyle/>
+                    <a:p>
+                      <a:pPr algn="ctr"/>
+                      <a:endParaRPr lang="en-US" dirty="0"/>
+                    </a:p>
+                  </a:txBody>
+                  <a:tcPr anchor="ctr"/>
+                </a:tc>
+                <a:tc>
+                  <a:txBody>
+                    <a:bodyPr/>
+                    <a:lstStyle/>
+                    <a:p>
+                      <a:pPr algn="ctr"/>
+                      <a:endParaRPr lang="en-US" dirty="0"/>
+                    </a:p>
+                  </a:txBody>
+                  <a:tcPr anchor="ctr"/>
+                </a:tc>
+                <a:tc>
+                  <a:txBody>
+                    <a:bodyPr/>
+                    <a:lstStyle/>
+                    <a:p>
+                      <a:pPr algn="ctr"/>
+                      <a:r>
+                        <a:rPr lang="en-US" dirty="0"/>
+                        <a:t>North America</a:t>
+                      </a:r>
+                    </a:p>
+                  </a:txBody>
+                  <a:tcPr anchor="ctr"/>
+                </a:tc>
+                <a:tc>
+                  <a:txBody>
+                    <a:bodyPr/>
+                    <a:lstStyle/>
+                    <a:p>
+                      <a:pPr algn="ctr"/>
+                      <a:r>
+                        <a:rPr lang="en-US" dirty="0"/>
+                        <a:t>Europe</a:t>
+                      </a:r>
+                    </a:p>
+                  </a:txBody>
+                  <a:tcPr anchor="ctr"/>
+                </a:tc>
+                <a:tc>
+                  <a:txBody>
+                    <a:bodyPr/>
+                    <a:lstStyle/>
+                    <a:p>
+                      <a:pPr algn="ctr"/>
+                      <a:r>
+                        <a:rPr lang="en-US" dirty="0"/>
+                        <a:t>Asia</a:t>
+                      </a:r>
+                    </a:p>
+                  </a:txBody>
+                  <a:tcPr anchor="ctr"/>
+                </a:tc>
+                <a:tc>
+                  <a:txBody>
+                    <a:bodyPr/>
+                    <a:lstStyle/>
+                    <a:p>
+                      <a:pPr algn="ctr"/>
+                      <a:r>
+                        <a:rPr lang="en-US" dirty="0"/>
+                        <a:t>Australia</a:t>
+                      </a:r>
+                    </a:p>
+                  </a:txBody>
+                  <a:tcPr anchor="ctr"/>
+                </a:tc>
+                <a:extLst>
+                  <a:ext uri="{0D108BD9-81ED-4DB2-BD59-A6C34878D82A}">
+                    <a16:rowId xmlns:a16="http://schemas.microsoft.com/office/drawing/2014/main" val="2465996827"/>
+                  </a:ext>
+                </a:extLst>
+              </a:tr>
+              <a:tr h="370840">
+                <a:tc rowSpan="3">
+                  <a:txBody>
+                    <a:bodyPr/>
+                    <a:lstStyle/>
+                    <a:p>
+                      <a:pPr algn="ctr"/>
+                      <a:r>
+                        <a:rPr lang="en-US" dirty="0"/>
+                        <a:t>Dec-Feb</a:t>
+                      </a:r>
+                    </a:p>
+                    <a:p>
+                      <a:pPr algn="ctr"/>
+                      <a:r>
+                        <a:rPr lang="en-US" dirty="0"/>
+                        <a:t>Lag 2</a:t>
+                      </a:r>
+                    </a:p>
+                  </a:txBody>
+                  <a:tcPr anchor="ctr"/>
+                </a:tc>
+                <a:tc>
+                  <a:txBody>
+                    <a:bodyPr/>
+                    <a:lstStyle/>
+                    <a:p>
+                      <a:pPr algn="ctr"/>
+                      <a:r>
+                        <a:rPr lang="en-US" dirty="0"/>
+                        <a:t>change per century</a:t>
+                      </a:r>
+                    </a:p>
+                  </a:txBody>
+                  <a:tcPr anchor="ctr"/>
+                </a:tc>
+                <a:tc>
+                  <a:txBody>
+                    <a:bodyPr/>
+                    <a:lstStyle/>
+                    <a:p>
+                      <a:pPr algn="ctr"/>
+                      <a:r>
+                        <a:rPr lang="en-US" dirty="0"/>
+                        <a:t>-0.24</a:t>
+                      </a:r>
+                    </a:p>
+                  </a:txBody>
+                  <a:tcPr anchor="ctr"/>
+                </a:tc>
+                <a:tc>
+                  <a:txBody>
+                    <a:bodyPr/>
+                    <a:lstStyle/>
+                    <a:p>
+                      <a:pPr algn="ctr"/>
+                      <a:r>
+                        <a:rPr lang="en-US" dirty="0"/>
+                        <a:t>0.32</a:t>
+                      </a:r>
+                    </a:p>
+                  </a:txBody>
+                  <a:tcPr anchor="ctr"/>
+                </a:tc>
+                <a:tc>
+                  <a:txBody>
+                    <a:bodyPr/>
+                    <a:lstStyle/>
+                    <a:p>
+                      <a:pPr algn="ctr"/>
+                      <a:r>
+                        <a:rPr lang="en-US" dirty="0"/>
+                        <a:t>-0.27</a:t>
+                      </a:r>
+                    </a:p>
+                  </a:txBody>
+                  <a:tcPr anchor="ctr"/>
+                </a:tc>
+                <a:tc>
+                  <a:txBody>
+                    <a:bodyPr/>
+                    <a:lstStyle/>
+                    <a:p>
+                      <a:pPr algn="ctr"/>
+                      <a:r>
+                        <a:rPr lang="en-US" dirty="0"/>
+                        <a:t>-0.29</a:t>
+                      </a:r>
+                    </a:p>
+                  </a:txBody>
+                  <a:tcPr anchor="ctr"/>
+                </a:tc>
+                <a:extLst>
+                  <a:ext uri="{0D108BD9-81ED-4DB2-BD59-A6C34878D82A}">
+                    <a16:rowId xmlns:a16="http://schemas.microsoft.com/office/drawing/2014/main" val="445451117"/>
+                  </a:ext>
+                </a:extLst>
+              </a:tr>
+              <a:tr h="370840">
+                <a:tc vMerge="1">
+                  <a:txBody>
+                    <a:bodyPr/>
+                    <a:lstStyle/>
+                    <a:p>
+                      <a:pPr algn="ctr"/>
+                      <a:endParaRPr lang="en-US" dirty="0"/>
+                    </a:p>
+                  </a:txBody>
+                  <a:tcPr anchor="ctr"/>
+                </a:tc>
+                <a:tc>
+                  <a:txBody>
+                    <a:bodyPr/>
+                    <a:lstStyle/>
+                    <a:p>
+                      <a:pPr algn="ctr"/>
+                      <a:r>
+                        <a:rPr lang="en-US" dirty="0"/>
+                        <a:t>Percentage of station with trend (p&gt;0.05)</a:t>
+                      </a:r>
+                    </a:p>
+                  </a:txBody>
+                  <a:tcPr anchor="ctr"/>
+                </a:tc>
+                <a:tc>
+                  <a:txBody>
+                    <a:bodyPr/>
+                    <a:lstStyle/>
+                    <a:p>
+                      <a:pPr algn="ctr"/>
+                      <a:r>
+                        <a:rPr lang="en-US" dirty="0"/>
+                        <a:t>5.3%</a:t>
+                      </a:r>
+                    </a:p>
+                  </a:txBody>
+                  <a:tcPr anchor="ctr"/>
+                </a:tc>
+                <a:tc>
+                  <a:txBody>
+                    <a:bodyPr/>
+                    <a:lstStyle/>
+                    <a:p>
+                      <a:pPr algn="ctr"/>
+                      <a:r>
+                        <a:rPr lang="en-US" dirty="0"/>
+                        <a:t>13%</a:t>
+                      </a:r>
+                    </a:p>
+                  </a:txBody>
+                  <a:tcPr anchor="ctr"/>
+                </a:tc>
+                <a:tc>
+                  <a:txBody>
+                    <a:bodyPr/>
+                    <a:lstStyle/>
+                    <a:p>
+                      <a:pPr algn="ctr"/>
+                      <a:r>
+                        <a:rPr lang="en-US" dirty="0"/>
+                        <a:t>8%</a:t>
+                      </a:r>
+                    </a:p>
+                  </a:txBody>
+                  <a:tcPr anchor="ctr"/>
+                </a:tc>
+                <a:tc>
+                  <a:txBody>
+                    <a:bodyPr/>
+                    <a:lstStyle/>
+                    <a:p>
+                      <a:pPr algn="ctr"/>
+                      <a:r>
+                        <a:rPr lang="en-US" dirty="0"/>
+                        <a:t>3%</a:t>
+                      </a:r>
+                    </a:p>
+                  </a:txBody>
+                  <a:tcPr anchor="ctr"/>
+                </a:tc>
+                <a:extLst>
+                  <a:ext uri="{0D108BD9-81ED-4DB2-BD59-A6C34878D82A}">
+                    <a16:rowId xmlns:a16="http://schemas.microsoft.com/office/drawing/2014/main" val="3590066183"/>
+                  </a:ext>
+                </a:extLst>
+              </a:tr>
+              <a:tr h="370840">
+                <a:tc vMerge="1">
+                  <a:txBody>
+                    <a:bodyPr/>
+                    <a:lstStyle/>
+                    <a:p>
+                      <a:pPr algn="ctr"/>
+                      <a:endParaRPr lang="en-US" dirty="0"/>
+                    </a:p>
+                  </a:txBody>
+                  <a:tcPr anchor="ctr"/>
+                </a:tc>
+                <a:tc>
+                  <a:txBody>
+                    <a:bodyPr/>
+                    <a:lstStyle/>
+                    <a:p>
+                      <a:pPr algn="ctr"/>
+                      <a:r>
+                        <a:rPr lang="en-US" dirty="0"/>
+                        <a:t>Different than NA</a:t>
+                      </a:r>
+                    </a:p>
+                  </a:txBody>
+                  <a:tcPr anchor="ctr"/>
+                </a:tc>
+                <a:tc>
+                  <a:txBody>
+                    <a:bodyPr/>
+                    <a:lstStyle/>
+                    <a:p>
+                      <a:pPr algn="ctr"/>
+                      <a:endParaRPr lang="en-US" dirty="0"/>
+                    </a:p>
+                  </a:txBody>
+                  <a:tcPr anchor="ctr"/>
+                </a:tc>
+                <a:tc>
+                  <a:txBody>
+                    <a:bodyPr/>
+                    <a:lstStyle/>
+                    <a:p>
+                      <a:pPr algn="ctr"/>
+                      <a:r>
+                        <a:rPr lang="en-US" dirty="0"/>
+                        <a:t>1.33e-13</a:t>
+                      </a:r>
+                    </a:p>
+                  </a:txBody>
+                  <a:tcPr anchor="ctr"/>
+                </a:tc>
+                <a:tc>
+                  <a:txBody>
+                    <a:bodyPr/>
+                    <a:lstStyle/>
+                    <a:p>
+                      <a:pPr algn="ctr"/>
+                      <a:r>
+                        <a:rPr lang="en-US" dirty="0"/>
+                        <a:t>0.68</a:t>
+                      </a:r>
+                    </a:p>
+                  </a:txBody>
+                  <a:tcPr anchor="ctr"/>
+                </a:tc>
+                <a:tc>
+                  <a:txBody>
+                    <a:bodyPr/>
+                    <a:lstStyle/>
+                    <a:p>
+                      <a:pPr algn="ctr"/>
+                      <a:endParaRPr lang="en-US" dirty="0"/>
+                    </a:p>
+                  </a:txBody>
+                  <a:tcPr anchor="ctr"/>
+                </a:tc>
+                <a:extLst>
+                  <a:ext uri="{0D108BD9-81ED-4DB2-BD59-A6C34878D82A}">
+                    <a16:rowId xmlns:a16="http://schemas.microsoft.com/office/drawing/2014/main" val="3508854368"/>
+                  </a:ext>
+                </a:extLst>
+              </a:tr>
+              <a:tr h="370840">
+                <a:tc rowSpan="3">
+                  <a:txBody>
+                    <a:bodyPr/>
+                    <a:lstStyle/>
+                    <a:p>
+                      <a:pPr algn="ctr"/>
+                      <a:r>
+                        <a:rPr lang="en-US" dirty="0"/>
+                        <a:t>Dec-Feb</a:t>
+                      </a:r>
+                    </a:p>
+                    <a:p>
+                      <a:pPr algn="ctr"/>
+                      <a:r>
+                        <a:rPr lang="en-US" dirty="0"/>
+                        <a:t>Lag 4</a:t>
+                      </a:r>
+                    </a:p>
+                  </a:txBody>
+                  <a:tcPr anchor="ctr"/>
+                </a:tc>
+                <a:tc>
+                  <a:txBody>
+                    <a:bodyPr/>
+                    <a:lstStyle/>
+                    <a:p>
+                      <a:pPr algn="ctr"/>
+                      <a:r>
+                        <a:rPr lang="en-US" dirty="0"/>
+                        <a:t>change per century</a:t>
+                      </a:r>
+                    </a:p>
+                  </a:txBody>
+                  <a:tcPr anchor="ctr"/>
+                </a:tc>
+                <a:tc>
+                  <a:txBody>
+                    <a:bodyPr/>
+                    <a:lstStyle/>
+                    <a:p>
+                      <a:pPr algn="ctr"/>
+                      <a:r>
+                        <a:rPr lang="en-US" dirty="0"/>
+                        <a:t>-0.27</a:t>
+                      </a:r>
+                    </a:p>
+                  </a:txBody>
+                  <a:tcPr anchor="ctr"/>
+                </a:tc>
+                <a:tc>
+                  <a:txBody>
+                    <a:bodyPr/>
+                    <a:lstStyle/>
+                    <a:p>
+                      <a:pPr algn="ctr"/>
+                      <a:r>
+                        <a:rPr lang="en-US" dirty="0"/>
+                        <a:t>0.41</a:t>
+                      </a:r>
+                    </a:p>
+                  </a:txBody>
+                  <a:tcPr anchor="ctr"/>
+                </a:tc>
+                <a:tc>
+                  <a:txBody>
+                    <a:bodyPr/>
+                    <a:lstStyle/>
+                    <a:p>
+                      <a:pPr algn="ctr"/>
+                      <a:r>
+                        <a:rPr lang="en-US" dirty="0"/>
+                        <a:t>-0.37</a:t>
+                      </a:r>
+                    </a:p>
+                  </a:txBody>
+                  <a:tcPr anchor="ctr"/>
+                </a:tc>
+                <a:tc>
+                  <a:txBody>
+                    <a:bodyPr/>
+                    <a:lstStyle/>
+                    <a:p>
+                      <a:pPr algn="ctr"/>
+                      <a:endParaRPr lang="en-US" dirty="0"/>
+                    </a:p>
+                  </a:txBody>
+                  <a:tcPr anchor="ctr"/>
+                </a:tc>
+                <a:extLst>
+                  <a:ext uri="{0D108BD9-81ED-4DB2-BD59-A6C34878D82A}">
+                    <a16:rowId xmlns:a16="http://schemas.microsoft.com/office/drawing/2014/main" val="1046079224"/>
+                  </a:ext>
+                </a:extLst>
+              </a:tr>
+              <a:tr h="370840">
+                <a:tc vMerge="1">
+                  <a:txBody>
+                    <a:bodyPr/>
+                    <a:lstStyle/>
+                    <a:p>
+                      <a:pPr algn="ctr"/>
+                      <a:endParaRPr lang="en-US" dirty="0"/>
+                    </a:p>
+                  </a:txBody>
+                  <a:tcPr anchor="ctr"/>
+                </a:tc>
+                <a:tc>
+                  <a:txBody>
+                    <a:bodyPr/>
+                    <a:lstStyle/>
+                    <a:p>
+                      <a:pPr algn="ctr"/>
+                      <a:r>
+                        <a:rPr lang="en-US" dirty="0"/>
+                        <a:t>Percentage of station with trend (p&gt;0.05)</a:t>
+                      </a:r>
+                    </a:p>
+                  </a:txBody>
+                  <a:tcPr anchor="ctr"/>
+                </a:tc>
+                <a:tc>
+                  <a:txBody>
+                    <a:bodyPr/>
+                    <a:lstStyle/>
+                    <a:p>
+                      <a:pPr algn="ctr"/>
+                      <a:r>
+                        <a:rPr lang="en-US" dirty="0"/>
+                        <a:t>6%</a:t>
+                      </a:r>
+                    </a:p>
+                  </a:txBody>
+                  <a:tcPr anchor="ctr"/>
+                </a:tc>
+                <a:tc>
+                  <a:txBody>
+                    <a:bodyPr/>
+                    <a:lstStyle/>
+                    <a:p>
+                      <a:pPr algn="ctr"/>
+                      <a:r>
+                        <a:rPr lang="en-US" dirty="0"/>
+                        <a:t>4%</a:t>
+                      </a:r>
+                    </a:p>
+                  </a:txBody>
+                  <a:tcPr anchor="ctr"/>
+                </a:tc>
+                <a:tc>
+                  <a:txBody>
+                    <a:bodyPr/>
+                    <a:lstStyle/>
+                    <a:p>
+                      <a:pPr algn="ctr"/>
+                      <a:r>
+                        <a:rPr lang="en-US" dirty="0"/>
+                        <a:t>5%</a:t>
+                      </a:r>
+                    </a:p>
+                  </a:txBody>
+                  <a:tcPr anchor="ctr"/>
+                </a:tc>
+                <a:tc>
+                  <a:txBody>
+                    <a:bodyPr/>
+                    <a:lstStyle/>
+                    <a:p>
+                      <a:pPr algn="ctr"/>
+                      <a:endParaRPr lang="en-US" dirty="0"/>
+                    </a:p>
+                  </a:txBody>
+                  <a:tcPr anchor="ctr"/>
+                </a:tc>
+                <a:extLst>
+                  <a:ext uri="{0D108BD9-81ED-4DB2-BD59-A6C34878D82A}">
+                    <a16:rowId xmlns:a16="http://schemas.microsoft.com/office/drawing/2014/main" val="3009613819"/>
+                  </a:ext>
+                </a:extLst>
+              </a:tr>
+              <a:tr h="370840">
+                <a:tc vMerge="1">
+                  <a:txBody>
+                    <a:bodyPr/>
+                    <a:lstStyle/>
+                    <a:p>
+                      <a:pPr algn="ctr"/>
+                      <a:endParaRPr lang="en-US" dirty="0"/>
+                    </a:p>
+                  </a:txBody>
+                  <a:tcPr anchor="ctr"/>
+                </a:tc>
+                <a:tc>
+                  <a:txBody>
+                    <a:bodyPr/>
+                    <a:lstStyle/>
+                    <a:p>
+                      <a:pPr algn="ctr"/>
+                      <a:r>
+                        <a:rPr lang="en-US" dirty="0"/>
+                        <a:t>Different than NA</a:t>
+                      </a:r>
+                    </a:p>
+                  </a:txBody>
+                  <a:tcPr anchor="ctr"/>
+                </a:tc>
+                <a:tc>
+                  <a:txBody>
+                    <a:bodyPr/>
+                    <a:lstStyle/>
+                    <a:p>
+                      <a:pPr algn="ctr"/>
+                      <a:endParaRPr lang="en-US" dirty="0"/>
+                    </a:p>
+                  </a:txBody>
+                  <a:tcPr anchor="ctr"/>
+                </a:tc>
+                <a:tc>
+                  <a:txBody>
+                    <a:bodyPr/>
+                    <a:lstStyle/>
+                    <a:p>
+                      <a:pPr algn="ctr"/>
+                      <a:r>
+                        <a:rPr lang="en-US" dirty="0"/>
+                        <a:t>8.3e-7</a:t>
+                      </a:r>
+                    </a:p>
+                  </a:txBody>
+                  <a:tcPr anchor="ctr"/>
+                </a:tc>
+                <a:tc>
+                  <a:txBody>
+                    <a:bodyPr/>
+                    <a:lstStyle/>
+                    <a:p>
+                      <a:pPr algn="ctr"/>
+                      <a:r>
+                        <a:rPr lang="en-US" dirty="0"/>
+                        <a:t>0.122</a:t>
+                      </a:r>
+                    </a:p>
+                  </a:txBody>
+                  <a:tcPr anchor="ctr"/>
+                </a:tc>
+                <a:tc>
+                  <a:txBody>
+                    <a:bodyPr/>
+                    <a:lstStyle/>
+                    <a:p>
+                      <a:pPr algn="ctr"/>
+                      <a:endParaRPr lang="en-US" dirty="0"/>
+                    </a:p>
+                  </a:txBody>
+                  <a:tcPr anchor="ctr"/>
+                </a:tc>
+                <a:extLst>
+                  <a:ext uri="{0D108BD9-81ED-4DB2-BD59-A6C34878D82A}">
+                    <a16:rowId xmlns:a16="http://schemas.microsoft.com/office/drawing/2014/main" val="130157435"/>
+                  </a:ext>
+                </a:extLst>
+              </a:tr>
+              <a:tr h="370840">
+                <a:tc rowSpan="3">
+                  <a:txBody>
+                    <a:bodyPr/>
+                    <a:lstStyle/>
+                    <a:p>
+                      <a:pPr algn="ctr"/>
+                      <a:r>
+                        <a:rPr lang="en-US" dirty="0"/>
+                        <a:t>Jun-Aug</a:t>
+                      </a:r>
+                    </a:p>
+                    <a:p>
+                      <a:pPr algn="ctr"/>
+                      <a:r>
+                        <a:rPr lang="en-US" dirty="0"/>
+                        <a:t>Lag 2</a:t>
+                      </a:r>
+                    </a:p>
+                  </a:txBody>
+                  <a:tcPr anchor="ctr"/>
+                </a:tc>
+                <a:tc>
+                  <a:txBody>
+                    <a:bodyPr/>
+                    <a:lstStyle/>
+                    <a:p>
+                      <a:pPr algn="ctr"/>
+                      <a:r>
+                        <a:rPr lang="en-US" dirty="0"/>
+                        <a:t>change per century</a:t>
+                      </a:r>
+                    </a:p>
+                  </a:txBody>
+                  <a:tcPr anchor="ctr"/>
+                </a:tc>
+                <a:tc>
+                  <a:txBody>
+                    <a:bodyPr/>
+                    <a:lstStyle/>
+                    <a:p>
+                      <a:pPr algn="ctr"/>
+                      <a:r>
+                        <a:rPr lang="en-US" dirty="0"/>
+                        <a:t>0.07</a:t>
+                      </a:r>
+                    </a:p>
+                  </a:txBody>
+                  <a:tcPr anchor="ctr"/>
+                </a:tc>
+                <a:tc>
+                  <a:txBody>
+                    <a:bodyPr/>
+                    <a:lstStyle/>
+                    <a:p>
+                      <a:pPr algn="ctr"/>
+                      <a:r>
+                        <a:rPr lang="en-US" dirty="0"/>
+                        <a:t>0.23</a:t>
+                      </a:r>
+                    </a:p>
+                  </a:txBody>
+                  <a:tcPr anchor="ctr"/>
+                </a:tc>
+                <a:tc>
+                  <a:txBody>
+                    <a:bodyPr/>
+                    <a:lstStyle/>
+                    <a:p>
+                      <a:pPr algn="ctr"/>
+                      <a:r>
+                        <a:rPr lang="en-US" dirty="0"/>
+                        <a:t>-0.03</a:t>
+                      </a:r>
+                    </a:p>
+                  </a:txBody>
+                  <a:tcPr anchor="ctr"/>
+                </a:tc>
+                <a:tc>
+                  <a:txBody>
+                    <a:bodyPr/>
+                    <a:lstStyle/>
+                    <a:p>
+                      <a:pPr algn="ctr"/>
+                      <a:r>
+                        <a:rPr lang="en-US" dirty="0"/>
+                        <a:t>-0.23</a:t>
+                      </a:r>
+                    </a:p>
+                  </a:txBody>
+                  <a:tcPr anchor="ctr"/>
+                </a:tc>
+                <a:extLst>
+                  <a:ext uri="{0D108BD9-81ED-4DB2-BD59-A6C34878D82A}">
+                    <a16:rowId xmlns:a16="http://schemas.microsoft.com/office/drawing/2014/main" val="3028892465"/>
+                  </a:ext>
+                </a:extLst>
+              </a:tr>
+              <a:tr h="370840">
+                <a:tc vMerge="1">
+                  <a:txBody>
+                    <a:bodyPr/>
+                    <a:lstStyle/>
+                    <a:p>
+                      <a:pPr algn="ctr"/>
+                      <a:endParaRPr lang="en-US" dirty="0"/>
+                    </a:p>
+                  </a:txBody>
+                  <a:tcPr anchor="ctr"/>
+                </a:tc>
+                <a:tc>
+                  <a:txBody>
+                    <a:bodyPr/>
+                    <a:lstStyle/>
+                    <a:p>
+                      <a:pPr algn="ctr"/>
+                      <a:r>
+                        <a:rPr lang="en-US" dirty="0"/>
+                        <a:t>Percentage of station with trend (p&gt;0.05)</a:t>
+                      </a:r>
+                    </a:p>
+                  </a:txBody>
+                  <a:tcPr anchor="ctr"/>
+                </a:tc>
+                <a:tc>
+                  <a:txBody>
+                    <a:bodyPr/>
+                    <a:lstStyle/>
+                    <a:p>
+                      <a:pPr algn="ctr"/>
+                      <a:r>
+                        <a:rPr lang="en-US" dirty="0"/>
+                        <a:t>7%</a:t>
+                      </a:r>
+                    </a:p>
+                  </a:txBody>
+                  <a:tcPr anchor="ctr"/>
+                </a:tc>
+                <a:tc>
+                  <a:txBody>
+                    <a:bodyPr/>
+                    <a:lstStyle/>
+                    <a:p>
+                      <a:pPr algn="ctr"/>
+                      <a:r>
+                        <a:rPr lang="en-US" dirty="0"/>
+                        <a:t>7%</a:t>
+                      </a:r>
+                    </a:p>
+                  </a:txBody>
+                  <a:tcPr anchor="ctr"/>
+                </a:tc>
+                <a:tc>
+                  <a:txBody>
+                    <a:bodyPr/>
+                    <a:lstStyle/>
+                    <a:p>
+                      <a:pPr algn="ctr"/>
+                      <a:r>
+                        <a:rPr lang="en-US" dirty="0"/>
+                        <a:t>7%</a:t>
+                      </a:r>
+                    </a:p>
+                  </a:txBody>
+                  <a:tcPr anchor="ctr"/>
+                </a:tc>
+                <a:tc>
+                  <a:txBody>
+                    <a:bodyPr/>
+                    <a:lstStyle/>
+                    <a:p>
+                      <a:pPr algn="ctr"/>
+                      <a:r>
+                        <a:rPr lang="en-US" dirty="0"/>
+                        <a:t>20%</a:t>
+                      </a:r>
+                    </a:p>
+                  </a:txBody>
+                  <a:tcPr anchor="ctr"/>
+                </a:tc>
+                <a:extLst>
+                  <a:ext uri="{0D108BD9-81ED-4DB2-BD59-A6C34878D82A}">
+                    <a16:rowId xmlns:a16="http://schemas.microsoft.com/office/drawing/2014/main" val="1102842031"/>
+                  </a:ext>
+                </a:extLst>
+              </a:tr>
+              <a:tr h="370840">
+                <a:tc vMerge="1">
+                  <a:txBody>
+                    <a:bodyPr/>
+                    <a:lstStyle/>
+                    <a:p>
+                      <a:pPr algn="ctr"/>
+                      <a:endParaRPr lang="en-US" dirty="0"/>
+                    </a:p>
+                  </a:txBody>
+                  <a:tcPr anchor="ctr"/>
+                </a:tc>
+                <a:tc>
+                  <a:txBody>
+                    <a:bodyPr/>
+                    <a:lstStyle/>
+                    <a:p>
+                      <a:pPr algn="ctr"/>
+                      <a:r>
+                        <a:rPr lang="en-US" dirty="0"/>
+                        <a:t>Different than NA</a:t>
+                      </a:r>
+                    </a:p>
+                  </a:txBody>
+                  <a:tcPr anchor="ctr"/>
+                </a:tc>
+                <a:tc>
+                  <a:txBody>
+                    <a:bodyPr/>
+                    <a:lstStyle/>
+                    <a:p>
+                      <a:pPr algn="ctr"/>
+                      <a:endParaRPr lang="en-US" dirty="0"/>
+                    </a:p>
+                  </a:txBody>
+                  <a:tcPr anchor="ctr"/>
+                </a:tc>
+                <a:tc>
+                  <a:txBody>
+                    <a:bodyPr/>
+                    <a:lstStyle/>
+                    <a:p>
+                      <a:pPr algn="ctr"/>
+                      <a:r>
+                        <a:rPr lang="en-US" dirty="0"/>
+                        <a:t>0.03</a:t>
+                      </a:r>
+                    </a:p>
+                  </a:txBody>
+                  <a:tcPr anchor="ctr"/>
+                </a:tc>
+                <a:tc>
+                  <a:txBody>
+                    <a:bodyPr/>
+                    <a:lstStyle/>
+                    <a:p>
+                      <a:pPr algn="ctr"/>
+                      <a:r>
+                        <a:rPr lang="en-US" dirty="0"/>
+                        <a:t>0.25</a:t>
+                      </a:r>
+                    </a:p>
+                  </a:txBody>
+                  <a:tcPr anchor="ctr"/>
+                </a:tc>
+                <a:tc>
+                  <a:txBody>
+                    <a:bodyPr/>
+                    <a:lstStyle/>
+                    <a:p>
+                      <a:pPr algn="ctr"/>
+                      <a:r>
+                        <a:rPr lang="en-US" dirty="0"/>
+                        <a:t>0.003</a:t>
+                      </a:r>
+                    </a:p>
+                  </a:txBody>
+                  <a:tcPr anchor="ctr"/>
+                </a:tc>
+                <a:extLst>
+                  <a:ext uri="{0D108BD9-81ED-4DB2-BD59-A6C34878D82A}">
+                    <a16:rowId xmlns:a16="http://schemas.microsoft.com/office/drawing/2014/main" val="1290548923"/>
+                  </a:ext>
+                </a:extLst>
+              </a:tr>
+              <a:tr h="370840">
+                <a:tc rowSpan="3">
+                  <a:txBody>
+                    <a:bodyPr/>
+                    <a:lstStyle/>
+                    <a:p>
+                      <a:pPr algn="ctr"/>
+                      <a:r>
+                        <a:rPr lang="en-US" dirty="0"/>
+                        <a:t>Jun-Aug</a:t>
+                      </a:r>
+                    </a:p>
+                    <a:p>
+                      <a:pPr algn="ctr"/>
+                      <a:r>
+                        <a:rPr lang="en-US" dirty="0"/>
+                        <a:t>Lag 4</a:t>
+                      </a:r>
+                    </a:p>
+                  </a:txBody>
+                  <a:tcPr anchor="ctr"/>
+                </a:tc>
+                <a:tc>
+                  <a:txBody>
+                    <a:bodyPr/>
+                    <a:lstStyle/>
+                    <a:p>
+                      <a:pPr algn="ctr"/>
+                      <a:r>
+                        <a:rPr lang="en-US" dirty="0"/>
+                        <a:t>change per century</a:t>
+                      </a:r>
+                    </a:p>
+                  </a:txBody>
+                  <a:tcPr anchor="ctr"/>
+                </a:tc>
+                <a:tc>
+                  <a:txBody>
+                    <a:bodyPr/>
+                    <a:lstStyle/>
+                    <a:p>
+                      <a:pPr algn="ctr"/>
+                      <a:r>
+                        <a:rPr lang="en-US" dirty="0"/>
+                        <a:t>0.04</a:t>
+                      </a:r>
+                    </a:p>
+                  </a:txBody>
+                  <a:tcPr anchor="ctr"/>
+                </a:tc>
+                <a:tc>
+                  <a:txBody>
+                    <a:bodyPr/>
+                    <a:lstStyle/>
+                    <a:p>
+                      <a:pPr algn="ctr"/>
+                      <a:r>
+                        <a:rPr lang="en-US" dirty="0"/>
+                        <a:t>0.4</a:t>
+                      </a:r>
+                    </a:p>
+                  </a:txBody>
+                  <a:tcPr anchor="ctr"/>
+                </a:tc>
+                <a:tc>
+                  <a:txBody>
+                    <a:bodyPr/>
+                    <a:lstStyle/>
+                    <a:p>
+                      <a:pPr algn="ctr"/>
+                      <a:r>
+                        <a:rPr lang="en-US" dirty="0"/>
+                        <a:t>-0.13</a:t>
+                      </a:r>
+                    </a:p>
+                  </a:txBody>
+                  <a:tcPr anchor="ctr"/>
+                </a:tc>
+                <a:tc>
+                  <a:txBody>
+                    <a:bodyPr/>
+                    <a:lstStyle/>
+                    <a:p>
+                      <a:pPr algn="ctr"/>
+                      <a:r>
+                        <a:rPr lang="en-US" dirty="0"/>
+                        <a:t>-0.24</a:t>
+                      </a:r>
+                    </a:p>
+                  </a:txBody>
+                  <a:tcPr anchor="ctr"/>
+                </a:tc>
+                <a:extLst>
+                  <a:ext uri="{0D108BD9-81ED-4DB2-BD59-A6C34878D82A}">
+                    <a16:rowId xmlns:a16="http://schemas.microsoft.com/office/drawing/2014/main" val="3187775930"/>
+                  </a:ext>
+                </a:extLst>
+              </a:tr>
+              <a:tr h="370840">
+                <a:tc vMerge="1">
+                  <a:txBody>
+                    <a:bodyPr/>
+                    <a:lstStyle/>
+                    <a:p>
+                      <a:pPr algn="ctr"/>
+                      <a:endParaRPr lang="en-US" dirty="0"/>
+                    </a:p>
+                  </a:txBody>
+                  <a:tcPr anchor="ctr"/>
+                </a:tc>
+                <a:tc>
+                  <a:txBody>
+                    <a:bodyPr/>
+                    <a:lstStyle/>
+                    <a:p>
+                      <a:pPr algn="ctr"/>
+                      <a:r>
+                        <a:rPr lang="en-US" dirty="0"/>
+                        <a:t>Percentage of station with trend (p&gt;0.05)</a:t>
+                      </a:r>
+                    </a:p>
+                  </a:txBody>
+                  <a:tcPr anchor="ctr"/>
+                </a:tc>
+                <a:tc>
+                  <a:txBody>
+                    <a:bodyPr/>
+                    <a:lstStyle/>
+                    <a:p>
+                      <a:pPr algn="ctr"/>
+                      <a:r>
+                        <a:rPr lang="en-US" dirty="0"/>
+                        <a:t>3%</a:t>
+                      </a:r>
+                    </a:p>
+                  </a:txBody>
+                  <a:tcPr anchor="ctr"/>
+                </a:tc>
+                <a:tc>
+                  <a:txBody>
+                    <a:bodyPr/>
+                    <a:lstStyle/>
+                    <a:p>
+                      <a:pPr algn="ctr"/>
+                      <a:r>
+                        <a:rPr lang="en-US" dirty="0"/>
+                        <a:t>8%</a:t>
+                      </a:r>
+                    </a:p>
+                  </a:txBody>
+                  <a:tcPr anchor="ctr"/>
+                </a:tc>
+                <a:tc>
+                  <a:txBody>
+                    <a:bodyPr/>
+                    <a:lstStyle/>
+                    <a:p>
+                      <a:pPr algn="ctr"/>
+                      <a:r>
+                        <a:rPr lang="en-US" dirty="0"/>
+                        <a:t>6%</a:t>
+                      </a:r>
+                    </a:p>
+                  </a:txBody>
+                  <a:tcPr anchor="ctr"/>
+                </a:tc>
+                <a:tc>
+                  <a:txBody>
+                    <a:bodyPr/>
+                    <a:lstStyle/>
+                    <a:p>
+                      <a:pPr algn="ctr"/>
+                      <a:r>
+                        <a:rPr lang="en-US" dirty="0"/>
+                        <a:t>17%</a:t>
+                      </a:r>
+                    </a:p>
+                  </a:txBody>
+                  <a:tcPr anchor="ctr"/>
+                </a:tc>
+                <a:extLst>
+                  <a:ext uri="{0D108BD9-81ED-4DB2-BD59-A6C34878D82A}">
+                    <a16:rowId xmlns:a16="http://schemas.microsoft.com/office/drawing/2014/main" val="926079699"/>
+                  </a:ext>
+                </a:extLst>
+              </a:tr>
+              <a:tr h="370840">
+                <a:tc vMerge="1">
+                  <a:txBody>
+                    <a:bodyPr/>
+                    <a:lstStyle/>
+                    <a:p>
+                      <a:pPr algn="ctr"/>
+                      <a:endParaRPr lang="en-US" dirty="0"/>
+                    </a:p>
+                  </a:txBody>
+                  <a:tcPr anchor="ctr"/>
+                </a:tc>
+                <a:tc>
+                  <a:txBody>
+                    <a:bodyPr/>
+                    <a:lstStyle/>
+                    <a:p>
+                      <a:pPr algn="ctr"/>
+                      <a:r>
+                        <a:rPr lang="en-US" dirty="0"/>
+                        <a:t>Different than NA</a:t>
+                      </a:r>
+                    </a:p>
+                  </a:txBody>
+                  <a:tcPr anchor="ctr"/>
+                </a:tc>
+                <a:tc>
+                  <a:txBody>
+                    <a:bodyPr/>
+                    <a:lstStyle/>
+                    <a:p>
+                      <a:pPr algn="ctr"/>
+                      <a:endParaRPr lang="en-US" dirty="0"/>
+                    </a:p>
+                  </a:txBody>
+                  <a:tcPr anchor="ctr"/>
+                </a:tc>
+                <a:tc>
+                  <a:txBody>
+                    <a:bodyPr/>
+                    <a:lstStyle/>
+                    <a:p>
+                      <a:pPr algn="ctr"/>
+                      <a:r>
+                        <a:rPr lang="en-US" dirty="0"/>
+                        <a:t>0.003</a:t>
+                      </a:r>
+                    </a:p>
+                  </a:txBody>
+                  <a:tcPr anchor="ctr"/>
+                </a:tc>
+                <a:tc>
+                  <a:txBody>
+                    <a:bodyPr/>
+                    <a:lstStyle/>
+                    <a:p>
+                      <a:pPr algn="ctr"/>
+                      <a:r>
+                        <a:rPr lang="en-US" dirty="0"/>
+                        <a:t>0.33</a:t>
+                      </a:r>
+                    </a:p>
+                  </a:txBody>
+                  <a:tcPr anchor="ctr"/>
+                </a:tc>
+                <a:tc>
+                  <a:txBody>
+                    <a:bodyPr/>
+                    <a:lstStyle/>
+                    <a:p>
+                      <a:pPr algn="ctr"/>
+                      <a:r>
+                        <a:rPr lang="en-US" dirty="0"/>
+                        <a:t>0.12</a:t>
+                      </a:r>
+                    </a:p>
+                  </a:txBody>
+                  <a:tcPr anchor="ctr"/>
+                </a:tc>
+                <a:extLst>
+                  <a:ext uri="{0D108BD9-81ED-4DB2-BD59-A6C34878D82A}">
+                    <a16:rowId xmlns:a16="http://schemas.microsoft.com/office/drawing/2014/main" val="3981072664"/>
+                  </a:ext>
+                </a:extLst>
+              </a:tr>
+            </a:tbl>
+          </a:graphicData>
+        </a:graphic>
+      </p:graphicFrame>
+    </p:spTree>
+    <p:extLst>
+      <p:ext uri="{BB962C8B-B14F-4D97-AF65-F5344CB8AC3E}">
+        <p14:creationId xmlns:p14="http://schemas.microsoft.com/office/powerpoint/2010/main" val="35336492"/>
+      </p:ext>
+    </p:extLst>
+  </p:cSld>
+  <p:clrMapOvr>
+    <a:masterClrMapping/>
+  </p:clrMapOvr>
+</p:sld>
+</file>
+
+<file path=ppt/slides/slide18.xml><?xml version="1.0" encoding="utf-8"?>
+<p:sld xmlns:a="http://schemas.openxmlformats.org/drawingml/2006/main" xmlns:r="http://schemas.openxmlformats.org/officeDocument/2006/relationships" xmlns:p="http://schemas.openxmlformats.org/presentationml/2006/main">
+  <p:cSld>
+    <p:spTree>
+      <p:nvGrpSpPr>
+        <p:cNvPr id="1" name=""/>
+        <p:cNvGrpSpPr/>
+        <p:nvPr/>
+      </p:nvGrpSpPr>
+      <p:grpSpPr>
+        <a:xfrm>
+          <a:off x="0" y="0"/>
+          <a:ext cx="0" cy="0"/>
+          <a:chOff x="0" y="0"/>
+          <a:chExt cx="0" cy="0"/>
+        </a:xfrm>
+      </p:grpSpPr>
+      <p:sp>
+        <p:nvSpPr>
+          <p:cNvPr id="8" name="TextBox 7">
+            <a:extLst>
+              <a:ext uri="{FF2B5EF4-FFF2-40B4-BE49-F238E27FC236}">
+                <a16:creationId xmlns:a16="http://schemas.microsoft.com/office/drawing/2014/main" id="{FF03EE28-D0A2-4265-8F5C-7D8DCF08F369}"/>
+              </a:ext>
+            </a:extLst>
+          </p:cNvPr>
+          <p:cNvSpPr txBox="1"/>
+          <p:nvPr/>
+        </p:nvSpPr>
+        <p:spPr>
+          <a:xfrm>
+            <a:off x="914400" y="756196"/>
+            <a:ext cx="6096000" cy="1200329"/>
+          </a:xfrm>
+          <a:prstGeom prst="rect">
+            <a:avLst/>
+          </a:prstGeom>
+          <a:noFill/>
+        </p:spPr>
+        <p:txBody>
+          <a:bodyPr wrap="square">
+            <a:spAutoFit/>
+          </a:bodyPr>
+          <a:lstStyle/>
+          <a:p>
+            <a:pPr marL="342900" indent="-342900">
+              <a:buFont typeface="+mj-lt"/>
+              <a:buAutoNum type="arabicPeriod"/>
+            </a:pPr>
+            <a:r>
+              <a:rPr lang="en-US" b="0" i="0" dirty="0">
+                <a:solidFill>
+                  <a:srgbClr val="222222"/>
+                </a:solidFill>
+                <a:effectLst/>
+                <a:latin typeface="-apple-system"/>
+              </a:rPr>
+              <a:t>Di </a:t>
+            </a:r>
+            <a:r>
+              <a:rPr lang="en-US" b="0" i="0" dirty="0" err="1">
+                <a:solidFill>
+                  <a:srgbClr val="222222"/>
+                </a:solidFill>
+                <a:effectLst/>
+                <a:latin typeface="-apple-system"/>
+              </a:rPr>
+              <a:t>Cecco</a:t>
+            </a:r>
+            <a:r>
+              <a:rPr lang="en-US" b="0" i="0" dirty="0">
+                <a:solidFill>
+                  <a:srgbClr val="222222"/>
+                </a:solidFill>
+                <a:effectLst/>
+                <a:latin typeface="-apple-system"/>
+              </a:rPr>
+              <a:t>, G.J., </a:t>
+            </a:r>
+            <a:r>
+              <a:rPr lang="en-US" b="0" i="0" dirty="0" err="1">
+                <a:solidFill>
+                  <a:srgbClr val="222222"/>
+                </a:solidFill>
+                <a:effectLst/>
+                <a:latin typeface="-apple-system"/>
+              </a:rPr>
+              <a:t>Gouhier</a:t>
+            </a:r>
+            <a:r>
+              <a:rPr lang="en-US" b="0" i="0" dirty="0">
+                <a:solidFill>
+                  <a:srgbClr val="222222"/>
+                </a:solidFill>
+                <a:effectLst/>
+                <a:latin typeface="-apple-system"/>
+              </a:rPr>
+              <a:t>, T.C. Increased spatial and temporal autocorrelation of temperature under climate change. </a:t>
+            </a:r>
+            <a:r>
+              <a:rPr lang="en-US" b="0" i="1" dirty="0">
+                <a:solidFill>
+                  <a:srgbClr val="222222"/>
+                </a:solidFill>
+                <a:effectLst/>
+                <a:latin typeface="-apple-system"/>
+              </a:rPr>
+              <a:t>Sci Rep</a:t>
+            </a:r>
+            <a:r>
+              <a:rPr lang="en-US" b="0" i="0" dirty="0">
+                <a:solidFill>
+                  <a:srgbClr val="222222"/>
+                </a:solidFill>
+                <a:effectLst/>
+                <a:latin typeface="-apple-system"/>
+              </a:rPr>
+              <a:t> </a:t>
+            </a:r>
+            <a:r>
+              <a:rPr lang="en-US" b="1" i="0" dirty="0">
+                <a:solidFill>
+                  <a:srgbClr val="222222"/>
+                </a:solidFill>
+                <a:effectLst/>
+                <a:latin typeface="-apple-system"/>
+              </a:rPr>
+              <a:t>8, </a:t>
+            </a:r>
+            <a:r>
+              <a:rPr lang="en-US" b="0" i="0" dirty="0">
+                <a:solidFill>
+                  <a:srgbClr val="222222"/>
+                </a:solidFill>
+                <a:effectLst/>
+                <a:latin typeface="-apple-system"/>
+              </a:rPr>
+              <a:t>14850 (2018). https://doi.org/10.1038/s41598-018-33217-0</a:t>
+            </a:r>
+            <a:endParaRPr lang="en-US" dirty="0"/>
+          </a:p>
+        </p:txBody>
+      </p:sp>
+    </p:spTree>
+    <p:extLst>
+      <p:ext uri="{BB962C8B-B14F-4D97-AF65-F5344CB8AC3E}">
+        <p14:creationId xmlns:p14="http://schemas.microsoft.com/office/powerpoint/2010/main" val="619489339"/>
+      </p:ext>
+    </p:extLst>
+  </p:cSld>
+  <p:clrMapOvr>
+    <a:masterClrMapping/>
+  </p:clrMapOvr>
+</p:sld>
+</file>
+
+<file path=ppt/slides/slide2.xml><?xml version="1.0" encoding="utf-8"?>
+<p:sld xmlns:a="http://schemas.openxmlformats.org/drawingml/2006/main" xmlns:r="http://schemas.openxmlformats.org/officeDocument/2006/relationships" xmlns:p="http://schemas.openxmlformats.org/presentationml/2006/main">
+  <p:cSld>
+    <p:spTree>
+      <p:nvGrpSpPr>
+        <p:cNvPr id="1" name=""/>
+        <p:cNvGrpSpPr/>
+        <p:nvPr/>
+      </p:nvGrpSpPr>
+      <p:grpSpPr>
+        <a:xfrm>
+          <a:off x="0" y="0"/>
+          <a:ext cx="0" cy="0"/>
+          <a:chOff x="0" y="0"/>
+          <a:chExt cx="0" cy="0"/>
+        </a:xfrm>
+      </p:grpSpPr>
+      <p:graphicFrame>
+        <p:nvGraphicFramePr>
+          <p:cNvPr id="6" name="Table 6">
+            <a:extLst>
+              <a:ext uri="{FF2B5EF4-FFF2-40B4-BE49-F238E27FC236}">
+                <a16:creationId xmlns:a16="http://schemas.microsoft.com/office/drawing/2014/main" id="{C5EFF62A-1015-4268-863E-5D12928D2BCB}"/>
+              </a:ext>
+            </a:extLst>
+          </p:cNvPr>
+          <p:cNvGraphicFramePr>
+            <a:graphicFrameLocks noGrp="1"/>
+          </p:cNvGraphicFramePr>
+          <p:nvPr>
+            <p:extLst>
+              <p:ext uri="{D42A27DB-BD31-4B8C-83A1-F6EECF244321}">
+                <p14:modId xmlns:p14="http://schemas.microsoft.com/office/powerpoint/2010/main" val="199462680"/>
               </p:ext>
             </p:extLst>
           </p:nvPr>
         </p:nvGraphicFramePr>
         <p:xfrm>
           <a:off x="802640" y="577426"/>
-          <a:ext cx="10393680" cy="5762415"/>
+          <a:ext cx="10393680" cy="5861351"/>
         </p:xfrm>
         <a:graphic>
           <a:graphicData uri="http://schemas.openxmlformats.org/drawingml/2006/table">
@@ -3510,7 +6630,7 @@
                       <a:pPr algn="ctr"/>
                       <a:r>
                         <a:rPr lang="en-US" dirty="0"/>
-                        <a:t>General trend of climate</a:t>
+                        <a:t>General trend of climate, animals rely on cold temperature</a:t>
                       </a:r>
                     </a:p>
                   </a:txBody>
@@ -3715,7 +6835,7 @@
                       <a:pPr algn="ctr"/>
                       <a:r>
                         <a:rPr lang="en-US" dirty="0"/>
-                        <a:t>Temperature variation</a:t>
+                        <a:t>Winter and Summer temperature autocorrelation</a:t>
                       </a:r>
                     </a:p>
                   </a:txBody>
@@ -3735,16 +6855,21 @@
                   </a:txBody>
                   <a:tcPr anchor="ctr"/>
                 </a:tc>
-                <a:tc>
-                  <a:txBody>
-                    <a:bodyPr/>
-                    <a:lstStyle/>
-                    <a:p>
-                      <a:pPr algn="ctr"/>
-                      <a:r>
-                        <a:rPr lang="en-US" dirty="0"/>
-                        <a:t>Animal migration</a:t>
-                      </a:r>
+                <a:tc rowSpan="2">
+                  <a:txBody>
+                    <a:bodyPr/>
+                    <a:lstStyle/>
+                    <a:p>
+                      <a:pPr algn="ctr"/>
+                      <a:r>
+                        <a:rPr lang="en-US" dirty="0"/>
+                        <a:t>Higher temperature autocorrelation prolongs heat wave or cold snaps and increase animal </a:t>
+                      </a:r>
+                      <a:r>
+                        <a:rPr lang="en-US"/>
+                        <a:t>extinction risk[1]</a:t>
+                      </a:r>
+                      <a:endParaRPr lang="en-US" dirty="0"/>
                     </a:p>
                   </a:txBody>
                   <a:tcPr anchor="ctr"/>
@@ -3781,7 +6906,7 @@
                   </a:txBody>
                   <a:tcPr anchor="ctr"/>
                 </a:tc>
-                <a:tc>
+                <a:tc vMerge="1">
                   <a:txBody>
                     <a:bodyPr/>
                     <a:lstStyle/>
@@ -3806,6 +6931,1934 @@
     <p:extLst>
       <p:ext uri="{BB962C8B-B14F-4D97-AF65-F5344CB8AC3E}">
         <p14:creationId xmlns:p14="http://schemas.microsoft.com/office/powerpoint/2010/main" val="3090561427"/>
+      </p:ext>
+    </p:extLst>
+  </p:cSld>
+  <p:clrMapOvr>
+    <a:masterClrMapping/>
+  </p:clrMapOvr>
+</p:sld>
+</file>
+
+<file path=ppt/slides/slide3.xml><?xml version="1.0" encoding="utf-8"?>
+<p:sld xmlns:a="http://schemas.openxmlformats.org/drawingml/2006/main" xmlns:r="http://schemas.openxmlformats.org/officeDocument/2006/relationships" xmlns:p="http://schemas.openxmlformats.org/presentationml/2006/main">
+  <p:cSld>
+    <p:spTree>
+      <p:nvGrpSpPr>
+        <p:cNvPr id="1" name=""/>
+        <p:cNvGrpSpPr/>
+        <p:nvPr/>
+      </p:nvGrpSpPr>
+      <p:grpSpPr>
+        <a:xfrm>
+          <a:off x="0" y="0"/>
+          <a:ext cx="0" cy="0"/>
+          <a:chOff x="0" y="0"/>
+          <a:chExt cx="0" cy="0"/>
+        </a:xfrm>
+      </p:grpSpPr>
+      <p:sp>
+        <p:nvSpPr>
+          <p:cNvPr id="4" name="TextBox 3">
+            <a:extLst>
+              <a:ext uri="{FF2B5EF4-FFF2-40B4-BE49-F238E27FC236}">
+                <a16:creationId xmlns:a16="http://schemas.microsoft.com/office/drawing/2014/main" id="{5C137248-689C-482C-A6C4-E9EBFE011030}"/>
+              </a:ext>
+            </a:extLst>
+          </p:cNvPr>
+          <p:cNvSpPr txBox="1"/>
+          <p:nvPr/>
+        </p:nvSpPr>
+        <p:spPr>
+          <a:xfrm>
+            <a:off x="5684577" y="5587867"/>
+            <a:ext cx="1381981" cy="523220"/>
+          </a:xfrm>
+          <a:prstGeom prst="rect">
+            <a:avLst/>
+          </a:prstGeom>
+          <a:noFill/>
+        </p:spPr>
+        <p:txBody>
+          <a:bodyPr wrap="none" rtlCol="0">
+            <a:spAutoFit/>
+          </a:bodyPr>
+          <a:lstStyle/>
+          <a:p>
+            <a:r>
+              <a:rPr lang="en-US" sz="2800" dirty="0"/>
+              <a:t>Latitude</a:t>
+            </a:r>
+          </a:p>
+        </p:txBody>
+      </p:sp>
+      <p:sp>
+        <p:nvSpPr>
+          <p:cNvPr id="7" name="TextBox 6">
+            <a:extLst>
+              <a:ext uri="{FF2B5EF4-FFF2-40B4-BE49-F238E27FC236}">
+                <a16:creationId xmlns:a16="http://schemas.microsoft.com/office/drawing/2014/main" id="{625A5367-2733-45AB-94FD-573C397F1964}"/>
+              </a:ext>
+            </a:extLst>
+          </p:cNvPr>
+          <p:cNvSpPr txBox="1"/>
+          <p:nvPr/>
+        </p:nvSpPr>
+        <p:spPr>
+          <a:xfrm rot="16200000">
+            <a:off x="821819" y="3000875"/>
+            <a:ext cx="2497597" cy="523220"/>
+          </a:xfrm>
+          <a:prstGeom prst="rect">
+            <a:avLst/>
+          </a:prstGeom>
+          <a:noFill/>
+        </p:spPr>
+        <p:txBody>
+          <a:bodyPr wrap="square" rtlCol="0">
+            <a:spAutoFit/>
+          </a:bodyPr>
+          <a:lstStyle/>
+          <a:p>
+            <a:r>
+              <a:rPr lang="en-US" sz="2800" dirty="0"/>
+              <a:t>Mean Temp (F)</a:t>
+            </a:r>
+          </a:p>
+        </p:txBody>
+      </p:sp>
+      <p:sp>
+        <p:nvSpPr>
+          <p:cNvPr id="5" name="TextBox 4">
+            <a:extLst>
+              <a:ext uri="{FF2B5EF4-FFF2-40B4-BE49-F238E27FC236}">
+                <a16:creationId xmlns:a16="http://schemas.microsoft.com/office/drawing/2014/main" id="{D38ACA4A-6998-42A9-9DFC-E77EC1162BCE}"/>
+              </a:ext>
+            </a:extLst>
+          </p:cNvPr>
+          <p:cNvSpPr txBox="1"/>
+          <p:nvPr/>
+        </p:nvSpPr>
+        <p:spPr>
+          <a:xfrm>
+            <a:off x="685629" y="6247068"/>
+            <a:ext cx="10402591" cy="369332"/>
+          </a:xfrm>
+          <a:prstGeom prst="rect">
+            <a:avLst/>
+          </a:prstGeom>
+          <a:noFill/>
+        </p:spPr>
+        <p:txBody>
+          <a:bodyPr wrap="none" rtlCol="0">
+            <a:spAutoFit/>
+          </a:bodyPr>
+          <a:lstStyle/>
+          <a:p>
+            <a:r>
+              <a:rPr lang="en-US" dirty="0"/>
+              <a:t>Take away: Mean temp reduce almost linearly </a:t>
+            </a:r>
+            <a:r>
+              <a:rPr lang="en-US" dirty="0" err="1"/>
+              <a:t>wrt</a:t>
+            </a:r>
+            <a:r>
+              <a:rPr lang="en-US" dirty="0"/>
+              <a:t> latitude. Different continents follow slightly different trend.</a:t>
+            </a:r>
+          </a:p>
+        </p:txBody>
+      </p:sp>
+      <p:pic>
+        <p:nvPicPr>
+          <p:cNvPr id="9" name="Picture 8">
+            <a:extLst>
+              <a:ext uri="{FF2B5EF4-FFF2-40B4-BE49-F238E27FC236}">
+                <a16:creationId xmlns:a16="http://schemas.microsoft.com/office/drawing/2014/main" id="{AC41E967-2811-4A93-9AFF-A52CE4F6A260}"/>
+              </a:ext>
+            </a:extLst>
+          </p:cNvPr>
+          <p:cNvPicPr>
+            <a:picLocks noChangeAspect="1"/>
+          </p:cNvPicPr>
+          <p:nvPr/>
+        </p:nvPicPr>
+        <p:blipFill>
+          <a:blip r:embed="rId2"/>
+          <a:stretch>
+            <a:fillRect/>
+          </a:stretch>
+        </p:blipFill>
+        <p:spPr>
+          <a:xfrm>
+            <a:off x="2442306" y="970760"/>
+            <a:ext cx="7033182" cy="4617107"/>
+          </a:xfrm>
+          <a:prstGeom prst="rect">
+            <a:avLst/>
+          </a:prstGeom>
+        </p:spPr>
+      </p:pic>
+      <p:sp>
+        <p:nvSpPr>
+          <p:cNvPr id="10" name="TextBox 9">
+            <a:extLst>
+              <a:ext uri="{FF2B5EF4-FFF2-40B4-BE49-F238E27FC236}">
+                <a16:creationId xmlns:a16="http://schemas.microsoft.com/office/drawing/2014/main" id="{385F1307-9B11-4050-B9D9-0DBA687A842E}"/>
+              </a:ext>
+            </a:extLst>
+          </p:cNvPr>
+          <p:cNvSpPr txBox="1"/>
+          <p:nvPr/>
+        </p:nvSpPr>
+        <p:spPr>
+          <a:xfrm>
+            <a:off x="264160" y="416560"/>
+            <a:ext cx="1986506" cy="369332"/>
+          </a:xfrm>
+          <a:prstGeom prst="rect">
+            <a:avLst/>
+          </a:prstGeom>
+          <a:noFill/>
+        </p:spPr>
+        <p:txBody>
+          <a:bodyPr wrap="none" rtlCol="0">
+            <a:spAutoFit/>
+          </a:bodyPr>
+          <a:lstStyle/>
+          <a:p>
+            <a:r>
+              <a:rPr lang="en-US" dirty="0"/>
+              <a:t>Mean Temperature</a:t>
+            </a:r>
+          </a:p>
+        </p:txBody>
+      </p:sp>
+    </p:spTree>
+    <p:extLst>
+      <p:ext uri="{BB962C8B-B14F-4D97-AF65-F5344CB8AC3E}">
+        <p14:creationId xmlns:p14="http://schemas.microsoft.com/office/powerpoint/2010/main" val="3335104265"/>
+      </p:ext>
+    </p:extLst>
+  </p:cSld>
+  <p:clrMapOvr>
+    <a:masterClrMapping/>
+  </p:clrMapOvr>
+</p:sld>
+</file>
+
+<file path=ppt/slides/slide4.xml><?xml version="1.0" encoding="utf-8"?>
+<p:sld xmlns:a="http://schemas.openxmlformats.org/drawingml/2006/main" xmlns:r="http://schemas.openxmlformats.org/officeDocument/2006/relationships" xmlns:p="http://schemas.openxmlformats.org/presentationml/2006/main">
+  <p:cSld>
+    <p:spTree>
+      <p:nvGrpSpPr>
+        <p:cNvPr id="1" name=""/>
+        <p:cNvGrpSpPr/>
+        <p:nvPr/>
+      </p:nvGrpSpPr>
+      <p:grpSpPr>
+        <a:xfrm>
+          <a:off x="0" y="0"/>
+          <a:ext cx="0" cy="0"/>
+          <a:chOff x="0" y="0"/>
+          <a:chExt cx="0" cy="0"/>
+        </a:xfrm>
+      </p:grpSpPr>
+      <p:sp>
+        <p:nvSpPr>
+          <p:cNvPr id="10" name="TextBox 9">
+            <a:extLst>
+              <a:ext uri="{FF2B5EF4-FFF2-40B4-BE49-F238E27FC236}">
+                <a16:creationId xmlns:a16="http://schemas.microsoft.com/office/drawing/2014/main" id="{385F1307-9B11-4050-B9D9-0DBA687A842E}"/>
+              </a:ext>
+            </a:extLst>
+          </p:cNvPr>
+          <p:cNvSpPr txBox="1"/>
+          <p:nvPr/>
+        </p:nvSpPr>
+        <p:spPr>
+          <a:xfrm>
+            <a:off x="264160" y="416560"/>
+            <a:ext cx="2573525" cy="369332"/>
+          </a:xfrm>
+          <a:prstGeom prst="rect">
+            <a:avLst/>
+          </a:prstGeom>
+          <a:noFill/>
+        </p:spPr>
+        <p:txBody>
+          <a:bodyPr wrap="none" rtlCol="0">
+            <a:spAutoFit/>
+          </a:bodyPr>
+          <a:lstStyle/>
+          <a:p>
+            <a:r>
+              <a:rPr lang="en-US" dirty="0"/>
+              <a:t>Mean Temperature Trend</a:t>
+            </a:r>
+          </a:p>
+        </p:txBody>
+      </p:sp>
+      <p:pic>
+        <p:nvPicPr>
+          <p:cNvPr id="8" name="Picture 7">
+            <a:extLst>
+              <a:ext uri="{FF2B5EF4-FFF2-40B4-BE49-F238E27FC236}">
+                <a16:creationId xmlns:a16="http://schemas.microsoft.com/office/drawing/2014/main" id="{08D90747-2E1D-4BFA-96F1-7E7216492796}"/>
+              </a:ext>
+            </a:extLst>
+          </p:cNvPr>
+          <p:cNvPicPr>
+            <a:picLocks noChangeAspect="1"/>
+          </p:cNvPicPr>
+          <p:nvPr/>
+        </p:nvPicPr>
+        <p:blipFill>
+          <a:blip r:embed="rId2"/>
+          <a:stretch>
+            <a:fillRect/>
+          </a:stretch>
+        </p:blipFill>
+        <p:spPr>
+          <a:xfrm>
+            <a:off x="1355835" y="976400"/>
+            <a:ext cx="9921272" cy="5465040"/>
+          </a:xfrm>
+          <a:prstGeom prst="rect">
+            <a:avLst/>
+          </a:prstGeom>
+        </p:spPr>
+      </p:pic>
+    </p:spTree>
+    <p:extLst>
+      <p:ext uri="{BB962C8B-B14F-4D97-AF65-F5344CB8AC3E}">
+        <p14:creationId xmlns:p14="http://schemas.microsoft.com/office/powerpoint/2010/main" val="497251734"/>
+      </p:ext>
+    </p:extLst>
+  </p:cSld>
+  <p:clrMapOvr>
+    <a:masterClrMapping/>
+  </p:clrMapOvr>
+</p:sld>
+</file>
+
+<file path=ppt/slides/slide5.xml><?xml version="1.0" encoding="utf-8"?>
+<p:sld xmlns:a="http://schemas.openxmlformats.org/drawingml/2006/main" xmlns:r="http://schemas.openxmlformats.org/officeDocument/2006/relationships" xmlns:p="http://schemas.openxmlformats.org/presentationml/2006/main">
+  <p:cSld>
+    <p:spTree>
+      <p:nvGrpSpPr>
+        <p:cNvPr id="1" name=""/>
+        <p:cNvGrpSpPr/>
+        <p:nvPr/>
+      </p:nvGrpSpPr>
+      <p:grpSpPr>
+        <a:xfrm>
+          <a:off x="0" y="0"/>
+          <a:ext cx="0" cy="0"/>
+          <a:chOff x="0" y="0"/>
+          <a:chExt cx="0" cy="0"/>
+        </a:xfrm>
+      </p:grpSpPr>
+      <p:sp>
+        <p:nvSpPr>
+          <p:cNvPr id="10" name="TextBox 9">
+            <a:extLst>
+              <a:ext uri="{FF2B5EF4-FFF2-40B4-BE49-F238E27FC236}">
+                <a16:creationId xmlns:a16="http://schemas.microsoft.com/office/drawing/2014/main" id="{385F1307-9B11-4050-B9D9-0DBA687A842E}"/>
+              </a:ext>
+            </a:extLst>
+          </p:cNvPr>
+          <p:cNvSpPr txBox="1"/>
+          <p:nvPr/>
+        </p:nvSpPr>
+        <p:spPr>
+          <a:xfrm>
+            <a:off x="264160" y="416560"/>
+            <a:ext cx="2573525" cy="369332"/>
+          </a:xfrm>
+          <a:prstGeom prst="rect">
+            <a:avLst/>
+          </a:prstGeom>
+          <a:noFill/>
+        </p:spPr>
+        <p:txBody>
+          <a:bodyPr wrap="none" rtlCol="0">
+            <a:spAutoFit/>
+          </a:bodyPr>
+          <a:lstStyle/>
+          <a:p>
+            <a:r>
+              <a:rPr lang="en-US" dirty="0"/>
+              <a:t>Mean Temperature Trend</a:t>
+            </a:r>
+          </a:p>
+        </p:txBody>
+      </p:sp>
+      <p:graphicFrame>
+        <p:nvGraphicFramePr>
+          <p:cNvPr id="3" name="Table 3">
+            <a:extLst>
+              <a:ext uri="{FF2B5EF4-FFF2-40B4-BE49-F238E27FC236}">
+                <a16:creationId xmlns:a16="http://schemas.microsoft.com/office/drawing/2014/main" id="{0C4E1F07-D8B0-4A32-96E2-3B9E95A5CC4B}"/>
+              </a:ext>
+            </a:extLst>
+          </p:cNvPr>
+          <p:cNvGraphicFramePr>
+            <a:graphicFrameLocks noGrp="1"/>
+          </p:cNvGraphicFramePr>
+          <p:nvPr>
+            <p:extLst>
+              <p:ext uri="{D42A27DB-BD31-4B8C-83A1-F6EECF244321}">
+                <p14:modId xmlns:p14="http://schemas.microsoft.com/office/powerpoint/2010/main" val="1586189034"/>
+              </p:ext>
+            </p:extLst>
+          </p:nvPr>
+        </p:nvGraphicFramePr>
+        <p:xfrm>
+          <a:off x="1818640" y="973666"/>
+          <a:ext cx="8128000" cy="2565400"/>
+        </p:xfrm>
+        <a:graphic>
+          <a:graphicData uri="http://schemas.openxmlformats.org/drawingml/2006/table">
+            <a:tbl>
+              <a:tblPr firstRow="1" bandRow="1">
+                <a:tableStyleId>{5C22544A-7EE6-4342-B048-85BDC9FD1C3A}</a:tableStyleId>
+              </a:tblPr>
+              <a:tblGrid>
+                <a:gridCol w="1625600">
+                  <a:extLst>
+                    <a:ext uri="{9D8B030D-6E8A-4147-A177-3AD203B41FA5}">
+                      <a16:colId xmlns:a16="http://schemas.microsoft.com/office/drawing/2014/main" val="1457223567"/>
+                    </a:ext>
+                  </a:extLst>
+                </a:gridCol>
+                <a:gridCol w="1625600">
+                  <a:extLst>
+                    <a:ext uri="{9D8B030D-6E8A-4147-A177-3AD203B41FA5}">
+                      <a16:colId xmlns:a16="http://schemas.microsoft.com/office/drawing/2014/main" val="1527871884"/>
+                    </a:ext>
+                  </a:extLst>
+                </a:gridCol>
+                <a:gridCol w="1625600">
+                  <a:extLst>
+                    <a:ext uri="{9D8B030D-6E8A-4147-A177-3AD203B41FA5}">
+                      <a16:colId xmlns:a16="http://schemas.microsoft.com/office/drawing/2014/main" val="1206382234"/>
+                    </a:ext>
+                  </a:extLst>
+                </a:gridCol>
+                <a:gridCol w="1625600">
+                  <a:extLst>
+                    <a:ext uri="{9D8B030D-6E8A-4147-A177-3AD203B41FA5}">
+                      <a16:colId xmlns:a16="http://schemas.microsoft.com/office/drawing/2014/main" val="3420448209"/>
+                    </a:ext>
+                  </a:extLst>
+                </a:gridCol>
+                <a:gridCol w="1625600">
+                  <a:extLst>
+                    <a:ext uri="{9D8B030D-6E8A-4147-A177-3AD203B41FA5}">
+                      <a16:colId xmlns:a16="http://schemas.microsoft.com/office/drawing/2014/main" val="2988213331"/>
+                    </a:ext>
+                  </a:extLst>
+                </a:gridCol>
+              </a:tblGrid>
+              <a:tr h="370840">
+                <a:tc>
+                  <a:txBody>
+                    <a:bodyPr/>
+                    <a:lstStyle/>
+                    <a:p>
+                      <a:pPr algn="ctr"/>
+                      <a:endParaRPr lang="en-US"/>
+                    </a:p>
+                  </a:txBody>
+                  <a:tcPr anchor="ctr"/>
+                </a:tc>
+                <a:tc>
+                  <a:txBody>
+                    <a:bodyPr/>
+                    <a:lstStyle/>
+                    <a:p>
+                      <a:pPr algn="ctr"/>
+                      <a:r>
+                        <a:rPr lang="en-US" dirty="0"/>
+                        <a:t>North America</a:t>
+                      </a:r>
+                    </a:p>
+                  </a:txBody>
+                  <a:tcPr anchor="ctr"/>
+                </a:tc>
+                <a:tc>
+                  <a:txBody>
+                    <a:bodyPr/>
+                    <a:lstStyle/>
+                    <a:p>
+                      <a:pPr algn="ctr"/>
+                      <a:r>
+                        <a:rPr lang="en-US" dirty="0"/>
+                        <a:t>Europe</a:t>
+                      </a:r>
+                    </a:p>
+                  </a:txBody>
+                  <a:tcPr anchor="ctr"/>
+                </a:tc>
+                <a:tc>
+                  <a:txBody>
+                    <a:bodyPr/>
+                    <a:lstStyle/>
+                    <a:p>
+                      <a:pPr algn="ctr"/>
+                      <a:r>
+                        <a:rPr lang="en-US" dirty="0"/>
+                        <a:t>Asia</a:t>
+                      </a:r>
+                    </a:p>
+                  </a:txBody>
+                  <a:tcPr anchor="ctr"/>
+                </a:tc>
+                <a:tc>
+                  <a:txBody>
+                    <a:bodyPr/>
+                    <a:lstStyle/>
+                    <a:p>
+                      <a:pPr algn="ctr"/>
+                      <a:r>
+                        <a:rPr lang="en-US" dirty="0"/>
+                        <a:t>Australia</a:t>
+                      </a:r>
+                    </a:p>
+                  </a:txBody>
+                  <a:tcPr anchor="ctr"/>
+                </a:tc>
+                <a:extLst>
+                  <a:ext uri="{0D108BD9-81ED-4DB2-BD59-A6C34878D82A}">
+                    <a16:rowId xmlns:a16="http://schemas.microsoft.com/office/drawing/2014/main" val="2465996827"/>
+                  </a:ext>
+                </a:extLst>
+              </a:tr>
+              <a:tr h="370840">
+                <a:tc>
+                  <a:txBody>
+                    <a:bodyPr/>
+                    <a:lstStyle/>
+                    <a:p>
+                      <a:pPr algn="ctr"/>
+                      <a:r>
+                        <a:rPr lang="en-US" dirty="0"/>
+                        <a:t>change per century</a:t>
+                      </a:r>
+                    </a:p>
+                  </a:txBody>
+                  <a:tcPr anchor="ctr"/>
+                </a:tc>
+                <a:tc>
+                  <a:txBody>
+                    <a:bodyPr/>
+                    <a:lstStyle/>
+                    <a:p>
+                      <a:pPr algn="ctr"/>
+                      <a:r>
+                        <a:rPr lang="en-US" dirty="0"/>
+                        <a:t>4.0</a:t>
+                      </a:r>
+                    </a:p>
+                  </a:txBody>
+                  <a:tcPr anchor="ctr"/>
+                </a:tc>
+                <a:tc>
+                  <a:txBody>
+                    <a:bodyPr/>
+                    <a:lstStyle/>
+                    <a:p>
+                      <a:pPr algn="ctr"/>
+                      <a:r>
+                        <a:rPr lang="en-US" dirty="0"/>
+                        <a:t>7.5</a:t>
+                      </a:r>
+                    </a:p>
+                  </a:txBody>
+                  <a:tcPr anchor="ctr"/>
+                </a:tc>
+                <a:tc>
+                  <a:txBody>
+                    <a:bodyPr/>
+                    <a:lstStyle/>
+                    <a:p>
+                      <a:pPr algn="ctr"/>
+                      <a:r>
+                        <a:rPr lang="en-US" dirty="0"/>
+                        <a:t>5.3</a:t>
+                      </a:r>
+                    </a:p>
+                  </a:txBody>
+                  <a:tcPr anchor="ctr"/>
+                </a:tc>
+                <a:tc>
+                  <a:txBody>
+                    <a:bodyPr/>
+                    <a:lstStyle/>
+                    <a:p>
+                      <a:pPr algn="ctr"/>
+                      <a:r>
+                        <a:rPr lang="en-US" dirty="0"/>
+                        <a:t>2.3</a:t>
+                      </a:r>
+                    </a:p>
+                  </a:txBody>
+                  <a:tcPr anchor="ctr"/>
+                </a:tc>
+                <a:extLst>
+                  <a:ext uri="{0D108BD9-81ED-4DB2-BD59-A6C34878D82A}">
+                    <a16:rowId xmlns:a16="http://schemas.microsoft.com/office/drawing/2014/main" val="445451117"/>
+                  </a:ext>
+                </a:extLst>
+              </a:tr>
+              <a:tr h="370840">
+                <a:tc>
+                  <a:txBody>
+                    <a:bodyPr/>
+                    <a:lstStyle/>
+                    <a:p>
+                      <a:pPr algn="ctr"/>
+                      <a:r>
+                        <a:rPr lang="en-US" dirty="0"/>
+                        <a:t>Percentage of station with trend (p&gt;0.05)</a:t>
+                      </a:r>
+                    </a:p>
+                  </a:txBody>
+                  <a:tcPr anchor="ctr"/>
+                </a:tc>
+                <a:tc>
+                  <a:txBody>
+                    <a:bodyPr/>
+                    <a:lstStyle/>
+                    <a:p>
+                      <a:pPr algn="ctr"/>
+                      <a:r>
+                        <a:rPr lang="en-US" dirty="0"/>
+                        <a:t>79%</a:t>
+                      </a:r>
+                    </a:p>
+                  </a:txBody>
+                  <a:tcPr anchor="ctr"/>
+                </a:tc>
+                <a:tc>
+                  <a:txBody>
+                    <a:bodyPr/>
+                    <a:lstStyle/>
+                    <a:p>
+                      <a:pPr algn="ctr"/>
+                      <a:r>
+                        <a:rPr lang="en-US" dirty="0"/>
+                        <a:t>98%</a:t>
+                      </a:r>
+                    </a:p>
+                  </a:txBody>
+                  <a:tcPr anchor="ctr"/>
+                </a:tc>
+                <a:tc>
+                  <a:txBody>
+                    <a:bodyPr/>
+                    <a:lstStyle/>
+                    <a:p>
+                      <a:pPr algn="ctr"/>
+                      <a:r>
+                        <a:rPr lang="en-US" dirty="0"/>
+                        <a:t>96%</a:t>
+                      </a:r>
+                    </a:p>
+                  </a:txBody>
+                  <a:tcPr anchor="ctr"/>
+                </a:tc>
+                <a:tc>
+                  <a:txBody>
+                    <a:bodyPr/>
+                    <a:lstStyle/>
+                    <a:p>
+                      <a:pPr algn="ctr"/>
+                      <a:r>
+                        <a:rPr lang="en-US" dirty="0"/>
+                        <a:t>63%</a:t>
+                      </a:r>
+                    </a:p>
+                  </a:txBody>
+                  <a:tcPr anchor="ctr"/>
+                </a:tc>
+                <a:extLst>
+                  <a:ext uri="{0D108BD9-81ED-4DB2-BD59-A6C34878D82A}">
+                    <a16:rowId xmlns:a16="http://schemas.microsoft.com/office/drawing/2014/main" val="3590066183"/>
+                  </a:ext>
+                </a:extLst>
+              </a:tr>
+              <a:tr h="370840">
+                <a:tc>
+                  <a:txBody>
+                    <a:bodyPr/>
+                    <a:lstStyle/>
+                    <a:p>
+                      <a:pPr algn="ctr"/>
+                      <a:r>
+                        <a:rPr lang="en-US" dirty="0"/>
+                        <a:t>Different than NA</a:t>
+                      </a:r>
+                    </a:p>
+                  </a:txBody>
+                  <a:tcPr anchor="ctr"/>
+                </a:tc>
+                <a:tc>
+                  <a:txBody>
+                    <a:bodyPr/>
+                    <a:lstStyle/>
+                    <a:p>
+                      <a:pPr algn="ctr"/>
+                      <a:endParaRPr lang="en-US"/>
+                    </a:p>
+                  </a:txBody>
+                  <a:tcPr anchor="ctr"/>
+                </a:tc>
+                <a:tc>
+                  <a:txBody>
+                    <a:bodyPr/>
+                    <a:lstStyle/>
+                    <a:p>
+                      <a:pPr algn="ctr"/>
+                      <a:r>
+                        <a:rPr lang="en-US" dirty="0"/>
+                        <a:t>4.5e-44</a:t>
+                      </a:r>
+                    </a:p>
+                  </a:txBody>
+                  <a:tcPr anchor="ctr"/>
+                </a:tc>
+                <a:tc>
+                  <a:txBody>
+                    <a:bodyPr/>
+                    <a:lstStyle/>
+                    <a:p>
+                      <a:pPr algn="ctr"/>
+                      <a:r>
+                        <a:rPr lang="en-US" dirty="0"/>
+                        <a:t>3.4e-9</a:t>
+                      </a:r>
+                    </a:p>
+                  </a:txBody>
+                  <a:tcPr anchor="ctr"/>
+                </a:tc>
+                <a:tc>
+                  <a:txBody>
+                    <a:bodyPr/>
+                    <a:lstStyle/>
+                    <a:p>
+                      <a:pPr algn="ctr"/>
+                      <a:r>
+                        <a:rPr lang="en-US" dirty="0"/>
+                        <a:t>2.4e-4</a:t>
+                      </a:r>
+                    </a:p>
+                  </a:txBody>
+                  <a:tcPr anchor="ctr"/>
+                </a:tc>
+                <a:extLst>
+                  <a:ext uri="{0D108BD9-81ED-4DB2-BD59-A6C34878D82A}">
+                    <a16:rowId xmlns:a16="http://schemas.microsoft.com/office/drawing/2014/main" val="3508854368"/>
+                  </a:ext>
+                </a:extLst>
+              </a:tr>
+            </a:tbl>
+          </a:graphicData>
+        </a:graphic>
+      </p:graphicFrame>
+      <p:pic>
+        <p:nvPicPr>
+          <p:cNvPr id="5" name="Picture 4">
+            <a:extLst>
+              <a:ext uri="{FF2B5EF4-FFF2-40B4-BE49-F238E27FC236}">
+                <a16:creationId xmlns:a16="http://schemas.microsoft.com/office/drawing/2014/main" id="{7DA0FD4D-7700-43D5-AB83-0FFDB9B89842}"/>
+              </a:ext>
+            </a:extLst>
+          </p:cNvPr>
+          <p:cNvPicPr>
+            <a:picLocks noChangeAspect="1"/>
+          </p:cNvPicPr>
+          <p:nvPr/>
+        </p:nvPicPr>
+        <p:blipFill>
+          <a:blip r:embed="rId2"/>
+          <a:stretch>
+            <a:fillRect/>
+          </a:stretch>
+        </p:blipFill>
+        <p:spPr>
+          <a:xfrm>
+            <a:off x="7152640" y="3905869"/>
+            <a:ext cx="4098607" cy="2658126"/>
+          </a:xfrm>
+          <a:prstGeom prst="rect">
+            <a:avLst/>
+          </a:prstGeom>
+        </p:spPr>
+      </p:pic>
+      <p:sp>
+        <p:nvSpPr>
+          <p:cNvPr id="9" name="TextBox 8">
+            <a:extLst>
+              <a:ext uri="{FF2B5EF4-FFF2-40B4-BE49-F238E27FC236}">
+                <a16:creationId xmlns:a16="http://schemas.microsoft.com/office/drawing/2014/main" id="{3560A3A0-7D65-4A31-A288-78A0612A184B}"/>
+              </a:ext>
+            </a:extLst>
+          </p:cNvPr>
+          <p:cNvSpPr txBox="1"/>
+          <p:nvPr/>
+        </p:nvSpPr>
+        <p:spPr>
+          <a:xfrm>
+            <a:off x="264161" y="4113468"/>
+            <a:ext cx="6431279" cy="1477328"/>
+          </a:xfrm>
+          <a:prstGeom prst="rect">
+            <a:avLst/>
+          </a:prstGeom>
+          <a:noFill/>
+        </p:spPr>
+        <p:txBody>
+          <a:bodyPr wrap="square" rtlCol="0">
+            <a:spAutoFit/>
+          </a:bodyPr>
+          <a:lstStyle/>
+          <a:p>
+            <a:r>
+              <a:rPr lang="en-US" dirty="0"/>
+              <a:t>Take away: </a:t>
+            </a:r>
+          </a:p>
+          <a:p>
+            <a:pPr marL="285750" indent="-285750">
+              <a:buFont typeface="Arial" panose="020B0604020202020204" pitchFamily="34" charset="0"/>
+              <a:buChar char="•"/>
+            </a:pPr>
+            <a:r>
+              <a:rPr lang="en-US" dirty="0"/>
+              <a:t>North America less than Europe and Asia, but faster than Australia</a:t>
+            </a:r>
+          </a:p>
+          <a:p>
+            <a:pPr marL="285750" indent="-285750">
+              <a:buFont typeface="Arial" panose="020B0604020202020204" pitchFamily="34" charset="0"/>
+              <a:buChar char="•"/>
+            </a:pPr>
+            <a:r>
+              <a:rPr lang="en-US" dirty="0"/>
+              <a:t>Longitude might be one contribution factor</a:t>
+            </a:r>
+          </a:p>
+          <a:p>
+            <a:endParaRPr lang="en-US" dirty="0"/>
+          </a:p>
+        </p:txBody>
+      </p:sp>
+    </p:spTree>
+    <p:extLst>
+      <p:ext uri="{BB962C8B-B14F-4D97-AF65-F5344CB8AC3E}">
+        <p14:creationId xmlns:p14="http://schemas.microsoft.com/office/powerpoint/2010/main" val="3780488735"/>
+      </p:ext>
+    </p:extLst>
+  </p:cSld>
+  <p:clrMapOvr>
+    <a:masterClrMapping/>
+  </p:clrMapOvr>
+</p:sld>
+</file>
+
+<file path=ppt/slides/slide6.xml><?xml version="1.0" encoding="utf-8"?>
+<p:sld xmlns:a="http://schemas.openxmlformats.org/drawingml/2006/main" xmlns:r="http://schemas.openxmlformats.org/officeDocument/2006/relationships" xmlns:p="http://schemas.openxmlformats.org/presentationml/2006/main">
+  <p:cSld>
+    <p:spTree>
+      <p:nvGrpSpPr>
+        <p:cNvPr id="1" name=""/>
+        <p:cNvGrpSpPr/>
+        <p:nvPr/>
+      </p:nvGrpSpPr>
+      <p:grpSpPr>
+        <a:xfrm>
+          <a:off x="0" y="0"/>
+          <a:ext cx="0" cy="0"/>
+          <a:chOff x="0" y="0"/>
+          <a:chExt cx="0" cy="0"/>
+        </a:xfrm>
+      </p:grpSpPr>
+      <p:sp>
+        <p:nvSpPr>
+          <p:cNvPr id="10" name="TextBox 9">
+            <a:extLst>
+              <a:ext uri="{FF2B5EF4-FFF2-40B4-BE49-F238E27FC236}">
+                <a16:creationId xmlns:a16="http://schemas.microsoft.com/office/drawing/2014/main" id="{385F1307-9B11-4050-B9D9-0DBA687A842E}"/>
+              </a:ext>
+            </a:extLst>
+          </p:cNvPr>
+          <p:cNvSpPr txBox="1"/>
+          <p:nvPr/>
+        </p:nvSpPr>
+        <p:spPr>
+          <a:xfrm>
+            <a:off x="264160" y="416560"/>
+            <a:ext cx="2689839" cy="369332"/>
+          </a:xfrm>
+          <a:prstGeom prst="rect">
+            <a:avLst/>
+          </a:prstGeom>
+          <a:noFill/>
+        </p:spPr>
+        <p:txBody>
+          <a:bodyPr wrap="none" rtlCol="0">
+            <a:spAutoFit/>
+          </a:bodyPr>
+          <a:lstStyle/>
+          <a:p>
+            <a:r>
+              <a:rPr lang="en-US" dirty="0"/>
+              <a:t>Lowest Temperature Trend</a:t>
+            </a:r>
+          </a:p>
+        </p:txBody>
+      </p:sp>
+      <p:pic>
+        <p:nvPicPr>
+          <p:cNvPr id="4" name="Picture 3">
+            <a:extLst>
+              <a:ext uri="{FF2B5EF4-FFF2-40B4-BE49-F238E27FC236}">
+                <a16:creationId xmlns:a16="http://schemas.microsoft.com/office/drawing/2014/main" id="{8FE36692-A09E-4953-9C56-882405337830}"/>
+              </a:ext>
+            </a:extLst>
+          </p:cNvPr>
+          <p:cNvPicPr>
+            <a:picLocks noChangeAspect="1"/>
+          </p:cNvPicPr>
+          <p:nvPr/>
+        </p:nvPicPr>
+        <p:blipFill>
+          <a:blip r:embed="rId2"/>
+          <a:stretch>
+            <a:fillRect/>
+          </a:stretch>
+        </p:blipFill>
+        <p:spPr>
+          <a:xfrm>
+            <a:off x="1135117" y="1054876"/>
+            <a:ext cx="10436772" cy="5506077"/>
+          </a:xfrm>
+          <a:prstGeom prst="rect">
+            <a:avLst/>
+          </a:prstGeom>
+        </p:spPr>
+      </p:pic>
+    </p:spTree>
+    <p:extLst>
+      <p:ext uri="{BB962C8B-B14F-4D97-AF65-F5344CB8AC3E}">
+        <p14:creationId xmlns:p14="http://schemas.microsoft.com/office/powerpoint/2010/main" val="2894831503"/>
+      </p:ext>
+    </p:extLst>
+  </p:cSld>
+  <p:clrMapOvr>
+    <a:masterClrMapping/>
+  </p:clrMapOvr>
+</p:sld>
+</file>
+
+<file path=ppt/slides/slide7.xml><?xml version="1.0" encoding="utf-8"?>
+<p:sld xmlns:a="http://schemas.openxmlformats.org/drawingml/2006/main" xmlns:r="http://schemas.openxmlformats.org/officeDocument/2006/relationships" xmlns:p="http://schemas.openxmlformats.org/presentationml/2006/main">
+  <p:cSld>
+    <p:spTree>
+      <p:nvGrpSpPr>
+        <p:cNvPr id="1" name=""/>
+        <p:cNvGrpSpPr/>
+        <p:nvPr/>
+      </p:nvGrpSpPr>
+      <p:grpSpPr>
+        <a:xfrm>
+          <a:off x="0" y="0"/>
+          <a:ext cx="0" cy="0"/>
+          <a:chOff x="0" y="0"/>
+          <a:chExt cx="0" cy="0"/>
+        </a:xfrm>
+      </p:grpSpPr>
+      <p:sp>
+        <p:nvSpPr>
+          <p:cNvPr id="10" name="TextBox 9">
+            <a:extLst>
+              <a:ext uri="{FF2B5EF4-FFF2-40B4-BE49-F238E27FC236}">
+                <a16:creationId xmlns:a16="http://schemas.microsoft.com/office/drawing/2014/main" id="{385F1307-9B11-4050-B9D9-0DBA687A842E}"/>
+              </a:ext>
+            </a:extLst>
+          </p:cNvPr>
+          <p:cNvSpPr txBox="1"/>
+          <p:nvPr/>
+        </p:nvSpPr>
+        <p:spPr>
+          <a:xfrm>
+            <a:off x="264160" y="416560"/>
+            <a:ext cx="2873544" cy="369332"/>
+          </a:xfrm>
+          <a:prstGeom prst="rect">
+            <a:avLst/>
+          </a:prstGeom>
+          <a:noFill/>
+        </p:spPr>
+        <p:txBody>
+          <a:bodyPr wrap="none" rtlCol="0">
+            <a:spAutoFit/>
+          </a:bodyPr>
+          <a:lstStyle/>
+          <a:p>
+            <a:r>
+              <a:rPr lang="en-US" dirty="0"/>
+              <a:t>Trend of extremely cold days</a:t>
+            </a:r>
+          </a:p>
+        </p:txBody>
+      </p:sp>
+      <p:pic>
+        <p:nvPicPr>
+          <p:cNvPr id="7" name="Picture 6">
+            <a:extLst>
+              <a:ext uri="{FF2B5EF4-FFF2-40B4-BE49-F238E27FC236}">
+                <a16:creationId xmlns:a16="http://schemas.microsoft.com/office/drawing/2014/main" id="{1FFE71B0-EC19-4DD1-B520-53DB3EFCD4A7}"/>
+              </a:ext>
+            </a:extLst>
+          </p:cNvPr>
+          <p:cNvPicPr>
+            <a:picLocks noChangeAspect="1"/>
+          </p:cNvPicPr>
+          <p:nvPr/>
+        </p:nvPicPr>
+        <p:blipFill>
+          <a:blip r:embed="rId2"/>
+          <a:stretch>
+            <a:fillRect/>
+          </a:stretch>
+        </p:blipFill>
+        <p:spPr>
+          <a:xfrm>
+            <a:off x="882869" y="914726"/>
+            <a:ext cx="10668228" cy="5820599"/>
+          </a:xfrm>
+          <a:prstGeom prst="rect">
+            <a:avLst/>
+          </a:prstGeom>
+        </p:spPr>
+      </p:pic>
+    </p:spTree>
+    <p:extLst>
+      <p:ext uri="{BB962C8B-B14F-4D97-AF65-F5344CB8AC3E}">
+        <p14:creationId xmlns:p14="http://schemas.microsoft.com/office/powerpoint/2010/main" val="2005446281"/>
+      </p:ext>
+    </p:extLst>
+  </p:cSld>
+  <p:clrMapOvr>
+    <a:masterClrMapping/>
+  </p:clrMapOvr>
+</p:sld>
+</file>
+
+<file path=ppt/slides/slide8.xml><?xml version="1.0" encoding="utf-8"?>
+<p:sld xmlns:a="http://schemas.openxmlformats.org/drawingml/2006/main" xmlns:r="http://schemas.openxmlformats.org/officeDocument/2006/relationships" xmlns:p="http://schemas.openxmlformats.org/presentationml/2006/main">
+  <p:cSld>
+    <p:spTree>
+      <p:nvGrpSpPr>
+        <p:cNvPr id="1" name=""/>
+        <p:cNvGrpSpPr/>
+        <p:nvPr/>
+      </p:nvGrpSpPr>
+      <p:grpSpPr>
+        <a:xfrm>
+          <a:off x="0" y="0"/>
+          <a:ext cx="0" cy="0"/>
+          <a:chOff x="0" y="0"/>
+          <a:chExt cx="0" cy="0"/>
+        </a:xfrm>
+      </p:grpSpPr>
+      <p:sp>
+        <p:nvSpPr>
+          <p:cNvPr id="10" name="TextBox 9">
+            <a:extLst>
+              <a:ext uri="{FF2B5EF4-FFF2-40B4-BE49-F238E27FC236}">
+                <a16:creationId xmlns:a16="http://schemas.microsoft.com/office/drawing/2014/main" id="{385F1307-9B11-4050-B9D9-0DBA687A842E}"/>
+              </a:ext>
+            </a:extLst>
+          </p:cNvPr>
+          <p:cNvSpPr txBox="1"/>
+          <p:nvPr/>
+        </p:nvSpPr>
+        <p:spPr>
+          <a:xfrm>
+            <a:off x="264160" y="416560"/>
+            <a:ext cx="2689839" cy="369332"/>
+          </a:xfrm>
+          <a:prstGeom prst="rect">
+            <a:avLst/>
+          </a:prstGeom>
+          <a:noFill/>
+        </p:spPr>
+        <p:txBody>
+          <a:bodyPr wrap="none" rtlCol="0">
+            <a:spAutoFit/>
+          </a:bodyPr>
+          <a:lstStyle/>
+          <a:p>
+            <a:r>
+              <a:rPr lang="en-US" dirty="0"/>
+              <a:t>Lowest Temperature Trend</a:t>
+            </a:r>
+          </a:p>
+        </p:txBody>
+      </p:sp>
+      <p:graphicFrame>
+        <p:nvGraphicFramePr>
+          <p:cNvPr id="3" name="Table 3">
+            <a:extLst>
+              <a:ext uri="{FF2B5EF4-FFF2-40B4-BE49-F238E27FC236}">
+                <a16:creationId xmlns:a16="http://schemas.microsoft.com/office/drawing/2014/main" id="{0C4E1F07-D8B0-4A32-96E2-3B9E95A5CC4B}"/>
+              </a:ext>
+            </a:extLst>
+          </p:cNvPr>
+          <p:cNvGraphicFramePr>
+            <a:graphicFrameLocks noGrp="1"/>
+          </p:cNvGraphicFramePr>
+          <p:nvPr>
+            <p:extLst>
+              <p:ext uri="{D42A27DB-BD31-4B8C-83A1-F6EECF244321}">
+                <p14:modId xmlns:p14="http://schemas.microsoft.com/office/powerpoint/2010/main" val="203613423"/>
+              </p:ext>
+            </p:extLst>
+          </p:nvPr>
+        </p:nvGraphicFramePr>
+        <p:xfrm>
+          <a:off x="264160" y="973666"/>
+          <a:ext cx="11399520" cy="4221480"/>
+        </p:xfrm>
+        <a:graphic>
+          <a:graphicData uri="http://schemas.openxmlformats.org/drawingml/2006/table">
+            <a:tbl>
+              <a:tblPr firstRow="1" bandRow="1">
+                <a:tableStyleId>{5C22544A-7EE6-4342-B048-85BDC9FD1C3A}</a:tableStyleId>
+              </a:tblPr>
+              <a:tblGrid>
+                <a:gridCol w="1899920">
+                  <a:extLst>
+                    <a:ext uri="{9D8B030D-6E8A-4147-A177-3AD203B41FA5}">
+                      <a16:colId xmlns:a16="http://schemas.microsoft.com/office/drawing/2014/main" val="1703165336"/>
+                    </a:ext>
+                  </a:extLst>
+                </a:gridCol>
+                <a:gridCol w="1899920">
+                  <a:extLst>
+                    <a:ext uri="{9D8B030D-6E8A-4147-A177-3AD203B41FA5}">
+                      <a16:colId xmlns:a16="http://schemas.microsoft.com/office/drawing/2014/main" val="1457223567"/>
+                    </a:ext>
+                  </a:extLst>
+                </a:gridCol>
+                <a:gridCol w="1899920">
+                  <a:extLst>
+                    <a:ext uri="{9D8B030D-6E8A-4147-A177-3AD203B41FA5}">
+                      <a16:colId xmlns:a16="http://schemas.microsoft.com/office/drawing/2014/main" val="1527871884"/>
+                    </a:ext>
+                  </a:extLst>
+                </a:gridCol>
+                <a:gridCol w="1899920">
+                  <a:extLst>
+                    <a:ext uri="{9D8B030D-6E8A-4147-A177-3AD203B41FA5}">
+                      <a16:colId xmlns:a16="http://schemas.microsoft.com/office/drawing/2014/main" val="1206382234"/>
+                    </a:ext>
+                  </a:extLst>
+                </a:gridCol>
+                <a:gridCol w="1899920">
+                  <a:extLst>
+                    <a:ext uri="{9D8B030D-6E8A-4147-A177-3AD203B41FA5}">
+                      <a16:colId xmlns:a16="http://schemas.microsoft.com/office/drawing/2014/main" val="3420448209"/>
+                    </a:ext>
+                  </a:extLst>
+                </a:gridCol>
+                <a:gridCol w="1899920">
+                  <a:extLst>
+                    <a:ext uri="{9D8B030D-6E8A-4147-A177-3AD203B41FA5}">
+                      <a16:colId xmlns:a16="http://schemas.microsoft.com/office/drawing/2014/main" val="2988213331"/>
+                    </a:ext>
+                  </a:extLst>
+                </a:gridCol>
+              </a:tblGrid>
+              <a:tr h="370840">
+                <a:tc>
+                  <a:txBody>
+                    <a:bodyPr/>
+                    <a:lstStyle/>
+                    <a:p>
+                      <a:pPr algn="ctr"/>
+                      <a:endParaRPr lang="en-US" dirty="0"/>
+                    </a:p>
+                  </a:txBody>
+                  <a:tcPr anchor="ctr"/>
+                </a:tc>
+                <a:tc>
+                  <a:txBody>
+                    <a:bodyPr/>
+                    <a:lstStyle/>
+                    <a:p>
+                      <a:pPr algn="ctr"/>
+                      <a:endParaRPr lang="en-US" dirty="0"/>
+                    </a:p>
+                  </a:txBody>
+                  <a:tcPr anchor="ctr"/>
+                </a:tc>
+                <a:tc>
+                  <a:txBody>
+                    <a:bodyPr/>
+                    <a:lstStyle/>
+                    <a:p>
+                      <a:pPr algn="ctr"/>
+                      <a:r>
+                        <a:rPr lang="en-US" dirty="0"/>
+                        <a:t>North America</a:t>
+                      </a:r>
+                    </a:p>
+                  </a:txBody>
+                  <a:tcPr anchor="ctr"/>
+                </a:tc>
+                <a:tc>
+                  <a:txBody>
+                    <a:bodyPr/>
+                    <a:lstStyle/>
+                    <a:p>
+                      <a:pPr algn="ctr"/>
+                      <a:r>
+                        <a:rPr lang="en-US" dirty="0"/>
+                        <a:t>Europe</a:t>
+                      </a:r>
+                    </a:p>
+                  </a:txBody>
+                  <a:tcPr anchor="ctr"/>
+                </a:tc>
+                <a:tc>
+                  <a:txBody>
+                    <a:bodyPr/>
+                    <a:lstStyle/>
+                    <a:p>
+                      <a:pPr algn="ctr"/>
+                      <a:r>
+                        <a:rPr lang="en-US" dirty="0"/>
+                        <a:t>Asia</a:t>
+                      </a:r>
+                    </a:p>
+                  </a:txBody>
+                  <a:tcPr anchor="ctr"/>
+                </a:tc>
+                <a:tc>
+                  <a:txBody>
+                    <a:bodyPr/>
+                    <a:lstStyle/>
+                    <a:p>
+                      <a:pPr algn="ctr"/>
+                      <a:r>
+                        <a:rPr lang="en-US" dirty="0"/>
+                        <a:t>Australia</a:t>
+                      </a:r>
+                    </a:p>
+                  </a:txBody>
+                  <a:tcPr anchor="ctr"/>
+                </a:tc>
+                <a:extLst>
+                  <a:ext uri="{0D108BD9-81ED-4DB2-BD59-A6C34878D82A}">
+                    <a16:rowId xmlns:a16="http://schemas.microsoft.com/office/drawing/2014/main" val="2465996827"/>
+                  </a:ext>
+                </a:extLst>
+              </a:tr>
+              <a:tr h="370840">
+                <a:tc rowSpan="3">
+                  <a:txBody>
+                    <a:bodyPr/>
+                    <a:lstStyle/>
+                    <a:p>
+                      <a:pPr algn="ctr"/>
+                      <a:r>
+                        <a:rPr lang="en-US" dirty="0"/>
+                        <a:t>Lowest Temperature Value</a:t>
+                      </a:r>
+                    </a:p>
+                  </a:txBody>
+                  <a:tcPr anchor="ctr"/>
+                </a:tc>
+                <a:tc>
+                  <a:txBody>
+                    <a:bodyPr/>
+                    <a:lstStyle/>
+                    <a:p>
+                      <a:pPr algn="ctr"/>
+                      <a:r>
+                        <a:rPr lang="en-US" dirty="0"/>
+                        <a:t>change per century</a:t>
+                      </a:r>
+                    </a:p>
+                  </a:txBody>
+                  <a:tcPr anchor="ctr"/>
+                </a:tc>
+                <a:tc>
+                  <a:txBody>
+                    <a:bodyPr/>
+                    <a:lstStyle/>
+                    <a:p>
+                      <a:pPr algn="ctr"/>
+                      <a:r>
+                        <a:rPr lang="en-US" dirty="0"/>
+                        <a:t>11.4</a:t>
+                      </a:r>
+                    </a:p>
+                  </a:txBody>
+                  <a:tcPr anchor="ctr"/>
+                </a:tc>
+                <a:tc>
+                  <a:txBody>
+                    <a:bodyPr/>
+                    <a:lstStyle/>
+                    <a:p>
+                      <a:pPr algn="ctr"/>
+                      <a:r>
+                        <a:rPr lang="en-US" dirty="0"/>
+                        <a:t>16.4</a:t>
+                      </a:r>
+                    </a:p>
+                  </a:txBody>
+                  <a:tcPr anchor="ctr"/>
+                </a:tc>
+                <a:tc>
+                  <a:txBody>
+                    <a:bodyPr/>
+                    <a:lstStyle/>
+                    <a:p>
+                      <a:pPr algn="ctr"/>
+                      <a:r>
+                        <a:rPr lang="en-US" dirty="0"/>
+                        <a:t>10.3</a:t>
+                      </a:r>
+                    </a:p>
+                  </a:txBody>
+                  <a:tcPr anchor="ctr"/>
+                </a:tc>
+                <a:tc>
+                  <a:txBody>
+                    <a:bodyPr/>
+                    <a:lstStyle/>
+                    <a:p>
+                      <a:pPr algn="ctr"/>
+                      <a:r>
+                        <a:rPr lang="en-US" dirty="0"/>
+                        <a:t>-1.6</a:t>
+                      </a:r>
+                    </a:p>
+                  </a:txBody>
+                  <a:tcPr anchor="ctr"/>
+                </a:tc>
+                <a:extLst>
+                  <a:ext uri="{0D108BD9-81ED-4DB2-BD59-A6C34878D82A}">
+                    <a16:rowId xmlns:a16="http://schemas.microsoft.com/office/drawing/2014/main" val="445451117"/>
+                  </a:ext>
+                </a:extLst>
+              </a:tr>
+              <a:tr h="370840">
+                <a:tc vMerge="1">
+                  <a:txBody>
+                    <a:bodyPr/>
+                    <a:lstStyle/>
+                    <a:p>
+                      <a:pPr algn="ctr"/>
+                      <a:endParaRPr lang="en-US" dirty="0"/>
+                    </a:p>
+                  </a:txBody>
+                  <a:tcPr anchor="ctr"/>
+                </a:tc>
+                <a:tc>
+                  <a:txBody>
+                    <a:bodyPr/>
+                    <a:lstStyle/>
+                    <a:p>
+                      <a:pPr algn="ctr"/>
+                      <a:r>
+                        <a:rPr lang="en-US" dirty="0"/>
+                        <a:t>Percentage of station with trend (p&gt;0.05)</a:t>
+                      </a:r>
+                    </a:p>
+                  </a:txBody>
+                  <a:tcPr anchor="ctr"/>
+                </a:tc>
+                <a:tc>
+                  <a:txBody>
+                    <a:bodyPr/>
+                    <a:lstStyle/>
+                    <a:p>
+                      <a:pPr algn="ctr"/>
+                      <a:r>
+                        <a:rPr lang="en-US" dirty="0"/>
+                        <a:t>32%</a:t>
+                      </a:r>
+                    </a:p>
+                  </a:txBody>
+                  <a:tcPr anchor="ctr"/>
+                </a:tc>
+                <a:tc>
+                  <a:txBody>
+                    <a:bodyPr/>
+                    <a:lstStyle/>
+                    <a:p>
+                      <a:pPr algn="ctr"/>
+                      <a:r>
+                        <a:rPr lang="en-US" dirty="0"/>
+                        <a:t>45%</a:t>
+                      </a:r>
+                    </a:p>
+                  </a:txBody>
+                  <a:tcPr anchor="ctr"/>
+                </a:tc>
+                <a:tc>
+                  <a:txBody>
+                    <a:bodyPr/>
+                    <a:lstStyle/>
+                    <a:p>
+                      <a:pPr algn="ctr"/>
+                      <a:r>
+                        <a:rPr lang="en-US" dirty="0"/>
+                        <a:t>63%</a:t>
+                      </a:r>
+                    </a:p>
+                  </a:txBody>
+                  <a:tcPr anchor="ctr"/>
+                </a:tc>
+                <a:tc>
+                  <a:txBody>
+                    <a:bodyPr/>
+                    <a:lstStyle/>
+                    <a:p>
+                      <a:pPr algn="ctr"/>
+                      <a:r>
+                        <a:rPr lang="en-US" dirty="0"/>
+                        <a:t>51%</a:t>
+                      </a:r>
+                    </a:p>
+                  </a:txBody>
+                  <a:tcPr anchor="ctr"/>
+                </a:tc>
+                <a:extLst>
+                  <a:ext uri="{0D108BD9-81ED-4DB2-BD59-A6C34878D82A}">
+                    <a16:rowId xmlns:a16="http://schemas.microsoft.com/office/drawing/2014/main" val="3590066183"/>
+                  </a:ext>
+                </a:extLst>
+              </a:tr>
+              <a:tr h="370840">
+                <a:tc vMerge="1">
+                  <a:txBody>
+                    <a:bodyPr/>
+                    <a:lstStyle/>
+                    <a:p>
+                      <a:pPr algn="ctr"/>
+                      <a:endParaRPr lang="en-US" dirty="0"/>
+                    </a:p>
+                  </a:txBody>
+                  <a:tcPr anchor="ctr"/>
+                </a:tc>
+                <a:tc>
+                  <a:txBody>
+                    <a:bodyPr/>
+                    <a:lstStyle/>
+                    <a:p>
+                      <a:pPr algn="ctr"/>
+                      <a:r>
+                        <a:rPr lang="en-US" dirty="0"/>
+                        <a:t>Different than NA</a:t>
+                      </a:r>
+                    </a:p>
+                  </a:txBody>
+                  <a:tcPr anchor="ctr"/>
+                </a:tc>
+                <a:tc>
+                  <a:txBody>
+                    <a:bodyPr/>
+                    <a:lstStyle/>
+                    <a:p>
+                      <a:pPr algn="ctr"/>
+                      <a:endParaRPr lang="en-US" dirty="0"/>
+                    </a:p>
+                  </a:txBody>
+                  <a:tcPr anchor="ctr"/>
+                </a:tc>
+                <a:tc>
+                  <a:txBody>
+                    <a:bodyPr/>
+                    <a:lstStyle/>
+                    <a:p>
+                      <a:pPr algn="ctr"/>
+                      <a:r>
+                        <a:rPr lang="en-US" dirty="0"/>
+                        <a:t>7.6e-5</a:t>
+                      </a:r>
+                    </a:p>
+                  </a:txBody>
+                  <a:tcPr anchor="ctr"/>
+                </a:tc>
+                <a:tc>
+                  <a:txBody>
+                    <a:bodyPr/>
+                    <a:lstStyle/>
+                    <a:p>
+                      <a:pPr algn="ctr"/>
+                      <a:r>
+                        <a:rPr lang="en-US" dirty="0"/>
+                        <a:t>0.23</a:t>
+                      </a:r>
+                    </a:p>
+                  </a:txBody>
+                  <a:tcPr anchor="ctr"/>
+                </a:tc>
+                <a:tc>
+                  <a:txBody>
+                    <a:bodyPr/>
+                    <a:lstStyle/>
+                    <a:p>
+                      <a:pPr algn="ctr"/>
+                      <a:r>
+                        <a:rPr lang="en-US" dirty="0"/>
+                        <a:t>1.7e-12</a:t>
+                      </a:r>
+                    </a:p>
+                  </a:txBody>
+                  <a:tcPr anchor="ctr"/>
+                </a:tc>
+                <a:extLst>
+                  <a:ext uri="{0D108BD9-81ED-4DB2-BD59-A6C34878D82A}">
+                    <a16:rowId xmlns:a16="http://schemas.microsoft.com/office/drawing/2014/main" val="3508854368"/>
+                  </a:ext>
+                </a:extLst>
+              </a:tr>
+              <a:tr h="370840">
+                <a:tc rowSpan="3">
+                  <a:txBody>
+                    <a:bodyPr/>
+                    <a:lstStyle/>
+                    <a:p>
+                      <a:pPr algn="ctr"/>
+                      <a:r>
+                        <a:rPr lang="en-US" dirty="0"/>
+                        <a:t>Trend of Extreme Low Temperature Days</a:t>
+                      </a:r>
+                    </a:p>
+                  </a:txBody>
+                  <a:tcPr anchor="ctr"/>
+                </a:tc>
+                <a:tc>
+                  <a:txBody>
+                    <a:bodyPr/>
+                    <a:lstStyle/>
+                    <a:p>
+                      <a:pPr algn="ctr"/>
+                      <a:r>
+                        <a:rPr lang="en-US" dirty="0"/>
+                        <a:t>change per century</a:t>
+                      </a:r>
+                    </a:p>
+                  </a:txBody>
+                  <a:tcPr anchor="ctr"/>
+                </a:tc>
+                <a:tc>
+                  <a:txBody>
+                    <a:bodyPr/>
+                    <a:lstStyle/>
+                    <a:p>
+                      <a:pPr algn="ctr"/>
+                      <a:r>
+                        <a:rPr lang="en-US" dirty="0"/>
+                        <a:t>-5.7</a:t>
+                      </a:r>
+                    </a:p>
+                  </a:txBody>
+                  <a:tcPr anchor="ctr"/>
+                </a:tc>
+                <a:tc>
+                  <a:txBody>
+                    <a:bodyPr/>
+                    <a:lstStyle/>
+                    <a:p>
+                      <a:pPr algn="ctr"/>
+                      <a:r>
+                        <a:rPr lang="en-US" dirty="0"/>
+                        <a:t>-9.6</a:t>
+                      </a:r>
+                    </a:p>
+                  </a:txBody>
+                  <a:tcPr anchor="ctr"/>
+                </a:tc>
+                <a:tc>
+                  <a:txBody>
+                    <a:bodyPr/>
+                    <a:lstStyle/>
+                    <a:p>
+                      <a:pPr algn="ctr"/>
+                      <a:r>
+                        <a:rPr lang="en-US" dirty="0"/>
+                        <a:t>-10.9</a:t>
+                      </a:r>
+                    </a:p>
+                  </a:txBody>
+                  <a:tcPr anchor="ctr"/>
+                </a:tc>
+                <a:tc>
+                  <a:txBody>
+                    <a:bodyPr/>
+                    <a:lstStyle/>
+                    <a:p>
+                      <a:pPr algn="ctr"/>
+                      <a:r>
+                        <a:rPr lang="en-US" dirty="0"/>
+                        <a:t>5.4</a:t>
+                      </a:r>
+                    </a:p>
+                  </a:txBody>
+                  <a:tcPr anchor="ctr"/>
+                </a:tc>
+                <a:extLst>
+                  <a:ext uri="{0D108BD9-81ED-4DB2-BD59-A6C34878D82A}">
+                    <a16:rowId xmlns:a16="http://schemas.microsoft.com/office/drawing/2014/main" val="1046079224"/>
+                  </a:ext>
+                </a:extLst>
+              </a:tr>
+              <a:tr h="370840">
+                <a:tc vMerge="1">
+                  <a:txBody>
+                    <a:bodyPr/>
+                    <a:lstStyle/>
+                    <a:p>
+                      <a:pPr algn="ctr"/>
+                      <a:endParaRPr lang="en-US" dirty="0"/>
+                    </a:p>
+                  </a:txBody>
+                  <a:tcPr anchor="ctr"/>
+                </a:tc>
+                <a:tc>
+                  <a:txBody>
+                    <a:bodyPr/>
+                    <a:lstStyle/>
+                    <a:p>
+                      <a:pPr algn="ctr"/>
+                      <a:r>
+                        <a:rPr lang="en-US" dirty="0"/>
+                        <a:t>Percentage of station with trend (p&gt;0.05)</a:t>
+                      </a:r>
+                    </a:p>
+                  </a:txBody>
+                  <a:tcPr anchor="ctr"/>
+                </a:tc>
+                <a:tc>
+                  <a:txBody>
+                    <a:bodyPr/>
+                    <a:lstStyle/>
+                    <a:p>
+                      <a:pPr algn="ctr"/>
+                      <a:r>
+                        <a:rPr lang="en-US" dirty="0"/>
+                        <a:t>25%</a:t>
+                      </a:r>
+                    </a:p>
+                  </a:txBody>
+                  <a:tcPr anchor="ctr"/>
+                </a:tc>
+                <a:tc>
+                  <a:txBody>
+                    <a:bodyPr/>
+                    <a:lstStyle/>
+                    <a:p>
+                      <a:pPr algn="ctr"/>
+                      <a:r>
+                        <a:rPr lang="en-US" dirty="0"/>
+                        <a:t>36%</a:t>
+                      </a:r>
+                    </a:p>
+                  </a:txBody>
+                  <a:tcPr anchor="ctr"/>
+                </a:tc>
+                <a:tc>
+                  <a:txBody>
+                    <a:bodyPr/>
+                    <a:lstStyle/>
+                    <a:p>
+                      <a:pPr algn="ctr"/>
+                      <a:r>
+                        <a:rPr lang="en-US" dirty="0"/>
+                        <a:t>64%</a:t>
+                      </a:r>
+                    </a:p>
+                  </a:txBody>
+                  <a:tcPr anchor="ctr"/>
+                </a:tc>
+                <a:tc>
+                  <a:txBody>
+                    <a:bodyPr/>
+                    <a:lstStyle/>
+                    <a:p>
+                      <a:pPr algn="ctr"/>
+                      <a:r>
+                        <a:rPr lang="en-US" dirty="0"/>
+                        <a:t>71%</a:t>
+                      </a:r>
+                    </a:p>
+                  </a:txBody>
+                  <a:tcPr anchor="ctr"/>
+                </a:tc>
+                <a:extLst>
+                  <a:ext uri="{0D108BD9-81ED-4DB2-BD59-A6C34878D82A}">
+                    <a16:rowId xmlns:a16="http://schemas.microsoft.com/office/drawing/2014/main" val="3009613819"/>
+                  </a:ext>
+                </a:extLst>
+              </a:tr>
+              <a:tr h="370840">
+                <a:tc vMerge="1">
+                  <a:txBody>
+                    <a:bodyPr/>
+                    <a:lstStyle/>
+                    <a:p>
+                      <a:pPr algn="ctr"/>
+                      <a:endParaRPr lang="en-US" dirty="0"/>
+                    </a:p>
+                  </a:txBody>
+                  <a:tcPr anchor="ctr"/>
+                </a:tc>
+                <a:tc>
+                  <a:txBody>
+                    <a:bodyPr/>
+                    <a:lstStyle/>
+                    <a:p>
+                      <a:pPr algn="ctr"/>
+                      <a:r>
+                        <a:rPr lang="en-US" dirty="0"/>
+                        <a:t>Different than NA</a:t>
+                      </a:r>
+                    </a:p>
+                  </a:txBody>
+                  <a:tcPr anchor="ctr"/>
+                </a:tc>
+                <a:tc>
+                  <a:txBody>
+                    <a:bodyPr/>
+                    <a:lstStyle/>
+                    <a:p>
+                      <a:pPr algn="ctr"/>
+                      <a:endParaRPr lang="en-US" dirty="0"/>
+                    </a:p>
+                  </a:txBody>
+                  <a:tcPr anchor="ctr"/>
+                </a:tc>
+                <a:tc>
+                  <a:txBody>
+                    <a:bodyPr/>
+                    <a:lstStyle/>
+                    <a:p>
+                      <a:pPr algn="ctr"/>
+                      <a:r>
+                        <a:rPr lang="en-US" dirty="0"/>
+                        <a:t>3e-4</a:t>
+                      </a:r>
+                    </a:p>
+                  </a:txBody>
+                  <a:tcPr anchor="ctr"/>
+                </a:tc>
+                <a:tc>
+                  <a:txBody>
+                    <a:bodyPr/>
+                    <a:lstStyle/>
+                    <a:p>
+                      <a:pPr algn="ctr"/>
+                      <a:r>
+                        <a:rPr lang="en-US" dirty="0"/>
+                        <a:t>6.8e-6</a:t>
+                      </a:r>
+                    </a:p>
+                  </a:txBody>
+                  <a:tcPr anchor="ctr"/>
+                </a:tc>
+                <a:tc>
+                  <a:txBody>
+                    <a:bodyPr/>
+                    <a:lstStyle/>
+                    <a:p>
+                      <a:pPr algn="ctr"/>
+                      <a:r>
+                        <a:rPr lang="en-US" dirty="0"/>
+                        <a:t>1.4e-7</a:t>
+                      </a:r>
+                    </a:p>
+                  </a:txBody>
+                  <a:tcPr anchor="ctr"/>
+                </a:tc>
+                <a:extLst>
+                  <a:ext uri="{0D108BD9-81ED-4DB2-BD59-A6C34878D82A}">
+                    <a16:rowId xmlns:a16="http://schemas.microsoft.com/office/drawing/2014/main" val="130157435"/>
+                  </a:ext>
+                </a:extLst>
+              </a:tr>
+            </a:tbl>
+          </a:graphicData>
+        </a:graphic>
+      </p:graphicFrame>
+      <p:sp>
+        <p:nvSpPr>
+          <p:cNvPr id="9" name="TextBox 8">
+            <a:extLst>
+              <a:ext uri="{FF2B5EF4-FFF2-40B4-BE49-F238E27FC236}">
+                <a16:creationId xmlns:a16="http://schemas.microsoft.com/office/drawing/2014/main" id="{3560A3A0-7D65-4A31-A288-78A0612A184B}"/>
+              </a:ext>
+            </a:extLst>
+          </p:cNvPr>
+          <p:cNvSpPr txBox="1"/>
+          <p:nvPr/>
+        </p:nvSpPr>
+        <p:spPr>
+          <a:xfrm>
+            <a:off x="762000" y="5284169"/>
+            <a:ext cx="10149840" cy="1200329"/>
+          </a:xfrm>
+          <a:prstGeom prst="rect">
+            <a:avLst/>
+          </a:prstGeom>
+          <a:noFill/>
+        </p:spPr>
+        <p:txBody>
+          <a:bodyPr wrap="square" rtlCol="0">
+            <a:spAutoFit/>
+          </a:bodyPr>
+          <a:lstStyle/>
+          <a:p>
+            <a:r>
+              <a:rPr lang="en-US" dirty="0"/>
+              <a:t>Take away: </a:t>
+            </a:r>
+          </a:p>
+          <a:p>
+            <a:pPr marL="285750" indent="-285750">
+              <a:buFont typeface="Arial" panose="020B0604020202020204" pitchFamily="34" charset="0"/>
+              <a:buChar char="•"/>
+            </a:pPr>
+            <a:r>
+              <a:rPr lang="en-US" dirty="0"/>
+              <a:t>Reduction of extremely cold days globally and increment of lowest temperature </a:t>
+            </a:r>
+          </a:p>
+          <a:p>
+            <a:pPr marL="285750" indent="-285750">
+              <a:buFont typeface="Arial" panose="020B0604020202020204" pitchFamily="34" charset="0"/>
+              <a:buChar char="•"/>
+            </a:pPr>
+            <a:r>
+              <a:rPr lang="en-US" dirty="0"/>
+              <a:t>Europe’s reduction of extremely cold days faster than other continents, with Australia the opposite.</a:t>
+            </a:r>
+          </a:p>
+          <a:p>
+            <a:endParaRPr lang="en-US" dirty="0"/>
+          </a:p>
+        </p:txBody>
+      </p:sp>
+    </p:spTree>
+    <p:extLst>
+      <p:ext uri="{BB962C8B-B14F-4D97-AF65-F5344CB8AC3E}">
+        <p14:creationId xmlns:p14="http://schemas.microsoft.com/office/powerpoint/2010/main" val="561617374"/>
+      </p:ext>
+    </p:extLst>
+  </p:cSld>
+  <p:clrMapOvr>
+    <a:masterClrMapping/>
+  </p:clrMapOvr>
+</p:sld>
+</file>
+
+<file path=ppt/slides/slide9.xml><?xml version="1.0" encoding="utf-8"?>
+<p:sld xmlns:a="http://schemas.openxmlformats.org/drawingml/2006/main" xmlns:r="http://schemas.openxmlformats.org/officeDocument/2006/relationships" xmlns:p="http://schemas.openxmlformats.org/presentationml/2006/main">
+  <p:cSld>
+    <p:spTree>
+      <p:nvGrpSpPr>
+        <p:cNvPr id="1" name=""/>
+        <p:cNvGrpSpPr/>
+        <p:nvPr/>
+      </p:nvGrpSpPr>
+      <p:grpSpPr>
+        <a:xfrm>
+          <a:off x="0" y="0"/>
+          <a:ext cx="0" cy="0"/>
+          <a:chOff x="0" y="0"/>
+          <a:chExt cx="0" cy="0"/>
+        </a:xfrm>
+      </p:grpSpPr>
+      <p:sp>
+        <p:nvSpPr>
+          <p:cNvPr id="10" name="TextBox 9">
+            <a:extLst>
+              <a:ext uri="{FF2B5EF4-FFF2-40B4-BE49-F238E27FC236}">
+                <a16:creationId xmlns:a16="http://schemas.microsoft.com/office/drawing/2014/main" id="{385F1307-9B11-4050-B9D9-0DBA687A842E}"/>
+              </a:ext>
+            </a:extLst>
+          </p:cNvPr>
+          <p:cNvSpPr txBox="1"/>
+          <p:nvPr/>
+        </p:nvSpPr>
+        <p:spPr>
+          <a:xfrm>
+            <a:off x="264160" y="416560"/>
+            <a:ext cx="2736070" cy="369332"/>
+          </a:xfrm>
+          <a:prstGeom prst="rect">
+            <a:avLst/>
+          </a:prstGeom>
+          <a:noFill/>
+        </p:spPr>
+        <p:txBody>
+          <a:bodyPr wrap="none" rtlCol="0">
+            <a:spAutoFit/>
+          </a:bodyPr>
+          <a:lstStyle/>
+          <a:p>
+            <a:r>
+              <a:rPr lang="en-US" dirty="0"/>
+              <a:t>Highest Temperature Trend</a:t>
+            </a:r>
+          </a:p>
+        </p:txBody>
+      </p:sp>
+      <p:pic>
+        <p:nvPicPr>
+          <p:cNvPr id="3" name="Picture 2">
+            <a:extLst>
+              <a:ext uri="{FF2B5EF4-FFF2-40B4-BE49-F238E27FC236}">
+                <a16:creationId xmlns:a16="http://schemas.microsoft.com/office/drawing/2014/main" id="{9ABA70F2-67AD-4980-8269-2DEEEA5B6214}"/>
+              </a:ext>
+            </a:extLst>
+          </p:cNvPr>
+          <p:cNvPicPr>
+            <a:picLocks noChangeAspect="1"/>
+          </p:cNvPicPr>
+          <p:nvPr/>
+        </p:nvPicPr>
+        <p:blipFill>
+          <a:blip r:embed="rId2"/>
+          <a:stretch>
+            <a:fillRect/>
+          </a:stretch>
+        </p:blipFill>
+        <p:spPr>
+          <a:xfrm>
+            <a:off x="1152277" y="1006868"/>
+            <a:ext cx="10378378" cy="5650358"/>
+          </a:xfrm>
+          <a:prstGeom prst="rect">
+            <a:avLst/>
+          </a:prstGeom>
+        </p:spPr>
+      </p:pic>
+    </p:spTree>
+    <p:extLst>
+      <p:ext uri="{BB962C8B-B14F-4D97-AF65-F5344CB8AC3E}">
+        <p14:creationId xmlns:p14="http://schemas.microsoft.com/office/powerpoint/2010/main" val="42440729"/>
       </p:ext>
     </p:extLst>
   </p:cSld>
